--- a/Presentation1.pptx
+++ b/Presentation1.pptx
@@ -4,8 +4,35 @@
   <p:sldMasterIdLst>
     <p:sldMasterId id="2147483648" r:id="rId1"/>
   </p:sldMasterIdLst>
+  <p:notesMasterIdLst>
+    <p:notesMasterId r:id="rId27"/>
+  </p:notesMasterIdLst>
   <p:sldIdLst>
     <p:sldId id="256" r:id="rId2"/>
+    <p:sldId id="275" r:id="rId3"/>
+    <p:sldId id="261" r:id="rId4"/>
+    <p:sldId id="259" r:id="rId5"/>
+    <p:sldId id="260" r:id="rId6"/>
+    <p:sldId id="262" r:id="rId7"/>
+    <p:sldId id="263" r:id="rId8"/>
+    <p:sldId id="264" r:id="rId9"/>
+    <p:sldId id="265" r:id="rId10"/>
+    <p:sldId id="277" r:id="rId11"/>
+    <p:sldId id="279" r:id="rId12"/>
+    <p:sldId id="266" r:id="rId13"/>
+    <p:sldId id="267" r:id="rId14"/>
+    <p:sldId id="273" r:id="rId15"/>
+    <p:sldId id="274" r:id="rId16"/>
+    <p:sldId id="268" r:id="rId17"/>
+    <p:sldId id="269" r:id="rId18"/>
+    <p:sldId id="270" r:id="rId19"/>
+    <p:sldId id="278" r:id="rId20"/>
+    <p:sldId id="280" r:id="rId21"/>
+    <p:sldId id="271" r:id="rId22"/>
+    <p:sldId id="276" r:id="rId23"/>
+    <p:sldId id="272" r:id="rId24"/>
+    <p:sldId id="281" r:id="rId25"/>
+    <p:sldId id="258" r:id="rId26"/>
   </p:sldIdLst>
   <p:sldSz cx="12192000" cy="6858000"/>
   <p:notesSz cx="6858000" cy="9144000"/>
@@ -105,6 +132,440 @@
     </a:lvl9pPr>
   </p:defaultTextStyle>
 </p:presentation>
+</file>
+
+<file path=ppt/notesMasters/notesMaster1.xml><?xml version="1.0" encoding="utf-8"?>
+<p:notesMaster xmlns:a="http://schemas.openxmlformats.org/drawingml/2006/main" xmlns:r="http://schemas.openxmlformats.org/officeDocument/2006/relationships" xmlns:p="http://schemas.openxmlformats.org/presentationml/2006/main">
+  <p:cSld>
+    <p:bg>
+      <p:bgRef idx="1001">
+        <a:schemeClr val="bg1"/>
+      </p:bgRef>
+    </p:bg>
+    <p:spTree>
+      <p:nvGrpSpPr>
+        <p:cNvPr id="1" name=""/>
+        <p:cNvGrpSpPr/>
+        <p:nvPr/>
+      </p:nvGrpSpPr>
+      <p:grpSpPr>
+        <a:xfrm>
+          <a:off x="0" y="0"/>
+          <a:ext cx="0" cy="0"/>
+          <a:chOff x="0" y="0"/>
+          <a:chExt cx="0" cy="0"/>
+        </a:xfrm>
+      </p:grpSpPr>
+      <p:sp>
+        <p:nvSpPr>
+          <p:cNvPr id="2" name="Header Placeholder 1"/>
+          <p:cNvSpPr>
+            <a:spLocks noGrp="1"/>
+          </p:cNvSpPr>
+          <p:nvPr>
+            <p:ph type="hdr" sz="quarter"/>
+          </p:nvPr>
+        </p:nvSpPr>
+        <p:spPr>
+          <a:xfrm>
+            <a:off x="0" y="0"/>
+            <a:ext cx="2971800" cy="458788"/>
+          </a:xfrm>
+          <a:prstGeom prst="rect">
+            <a:avLst/>
+          </a:prstGeom>
+        </p:spPr>
+        <p:txBody>
+          <a:bodyPr vert="horz" lIns="91440" tIns="45720" rIns="91440" bIns="45720" rtlCol="0"/>
+          <a:lstStyle>
+            <a:lvl1pPr algn="l">
+              <a:defRPr sz="1200"/>
+            </a:lvl1pPr>
+          </a:lstStyle>
+          <a:p>
+            <a:endParaRPr lang="en-US"/>
+          </a:p>
+        </p:txBody>
+      </p:sp>
+      <p:sp>
+        <p:nvSpPr>
+          <p:cNvPr id="3" name="Date Placeholder 2"/>
+          <p:cNvSpPr>
+            <a:spLocks noGrp="1"/>
+          </p:cNvSpPr>
+          <p:nvPr>
+            <p:ph type="dt" idx="1"/>
+          </p:nvPr>
+        </p:nvSpPr>
+        <p:spPr>
+          <a:xfrm>
+            <a:off x="3884613" y="0"/>
+            <a:ext cx="2971800" cy="458788"/>
+          </a:xfrm>
+          <a:prstGeom prst="rect">
+            <a:avLst/>
+          </a:prstGeom>
+        </p:spPr>
+        <p:txBody>
+          <a:bodyPr vert="horz" lIns="91440" tIns="45720" rIns="91440" bIns="45720" rtlCol="0"/>
+          <a:lstStyle>
+            <a:lvl1pPr algn="r">
+              <a:defRPr sz="1200"/>
+            </a:lvl1pPr>
+          </a:lstStyle>
+          <a:p>
+            <a:fld id="{388F4AB7-DF89-8A4A-919B-4C35AB9FDABA}" type="datetimeFigureOut">
+              <a:rPr lang="en-US" smtClean="0"/>
+              <a:t>6/9/23</a:t>
+            </a:fld>
+            <a:endParaRPr lang="en-US"/>
+          </a:p>
+        </p:txBody>
+      </p:sp>
+      <p:sp>
+        <p:nvSpPr>
+          <p:cNvPr id="4" name="Slide Image Placeholder 3"/>
+          <p:cNvSpPr>
+            <a:spLocks noGrp="1" noRot="1" noChangeAspect="1"/>
+          </p:cNvSpPr>
+          <p:nvPr>
+            <p:ph type="sldImg" idx="2"/>
+          </p:nvPr>
+        </p:nvSpPr>
+        <p:spPr>
+          <a:xfrm>
+            <a:off x="685800" y="1143000"/>
+            <a:ext cx="5486400" cy="3086100"/>
+          </a:xfrm>
+          <a:prstGeom prst="rect">
+            <a:avLst/>
+          </a:prstGeom>
+          <a:noFill/>
+          <a:ln w="12700">
+            <a:solidFill>
+              <a:prstClr val="black"/>
+            </a:solidFill>
+          </a:ln>
+        </p:spPr>
+        <p:txBody>
+          <a:bodyPr vert="horz" lIns="91440" tIns="45720" rIns="91440" bIns="45720" rtlCol="0" anchor="ctr"/>
+          <a:lstStyle/>
+          <a:p>
+            <a:endParaRPr lang="en-US"/>
+          </a:p>
+        </p:txBody>
+      </p:sp>
+      <p:sp>
+        <p:nvSpPr>
+          <p:cNvPr id="5" name="Notes Placeholder 4"/>
+          <p:cNvSpPr>
+            <a:spLocks noGrp="1"/>
+          </p:cNvSpPr>
+          <p:nvPr>
+            <p:ph type="body" sz="quarter" idx="3"/>
+          </p:nvPr>
+        </p:nvSpPr>
+        <p:spPr>
+          <a:xfrm>
+            <a:off x="685800" y="4400550"/>
+            <a:ext cx="5486400" cy="3600450"/>
+          </a:xfrm>
+          <a:prstGeom prst="rect">
+            <a:avLst/>
+          </a:prstGeom>
+        </p:spPr>
+        <p:txBody>
+          <a:bodyPr vert="horz" lIns="91440" tIns="45720" rIns="91440" bIns="45720" rtlCol="0"/>
+          <a:lstStyle/>
+          <a:p>
+            <a:pPr lvl="0"/>
+            <a:r>
+              <a:rPr lang="en-US" smtClean="0"/>
+              <a:t>Click to edit Master text styles</a:t>
+            </a:r>
+          </a:p>
+          <a:p>
+            <a:pPr lvl="1"/>
+            <a:r>
+              <a:rPr lang="en-US" smtClean="0"/>
+              <a:t>Second level</a:t>
+            </a:r>
+          </a:p>
+          <a:p>
+            <a:pPr lvl="2"/>
+            <a:r>
+              <a:rPr lang="en-US" smtClean="0"/>
+              <a:t>Third level</a:t>
+            </a:r>
+          </a:p>
+          <a:p>
+            <a:pPr lvl="3"/>
+            <a:r>
+              <a:rPr lang="en-US" smtClean="0"/>
+              <a:t>Fourth level</a:t>
+            </a:r>
+          </a:p>
+          <a:p>
+            <a:pPr lvl="4"/>
+            <a:r>
+              <a:rPr lang="en-US" smtClean="0"/>
+              <a:t>Fifth level</a:t>
+            </a:r>
+            <a:endParaRPr lang="en-US"/>
+          </a:p>
+        </p:txBody>
+      </p:sp>
+      <p:sp>
+        <p:nvSpPr>
+          <p:cNvPr id="6" name="Footer Placeholder 5"/>
+          <p:cNvSpPr>
+            <a:spLocks noGrp="1"/>
+          </p:cNvSpPr>
+          <p:nvPr>
+            <p:ph type="ftr" sz="quarter" idx="4"/>
+          </p:nvPr>
+        </p:nvSpPr>
+        <p:spPr>
+          <a:xfrm>
+            <a:off x="0" y="8685213"/>
+            <a:ext cx="2971800" cy="458787"/>
+          </a:xfrm>
+          <a:prstGeom prst="rect">
+            <a:avLst/>
+          </a:prstGeom>
+        </p:spPr>
+        <p:txBody>
+          <a:bodyPr vert="horz" lIns="91440" tIns="45720" rIns="91440" bIns="45720" rtlCol="0" anchor="b"/>
+          <a:lstStyle>
+            <a:lvl1pPr algn="l">
+              <a:defRPr sz="1200"/>
+            </a:lvl1pPr>
+          </a:lstStyle>
+          <a:p>
+            <a:endParaRPr lang="en-US"/>
+          </a:p>
+        </p:txBody>
+      </p:sp>
+      <p:sp>
+        <p:nvSpPr>
+          <p:cNvPr id="7" name="Slide Number Placeholder 6"/>
+          <p:cNvSpPr>
+            <a:spLocks noGrp="1"/>
+          </p:cNvSpPr>
+          <p:nvPr>
+            <p:ph type="sldNum" sz="quarter" idx="5"/>
+          </p:nvPr>
+        </p:nvSpPr>
+        <p:spPr>
+          <a:xfrm>
+            <a:off x="3884613" y="8685213"/>
+            <a:ext cx="2971800" cy="458787"/>
+          </a:xfrm>
+          <a:prstGeom prst="rect">
+            <a:avLst/>
+          </a:prstGeom>
+        </p:spPr>
+        <p:txBody>
+          <a:bodyPr vert="horz" lIns="91440" tIns="45720" rIns="91440" bIns="45720" rtlCol="0" anchor="b"/>
+          <a:lstStyle>
+            <a:lvl1pPr algn="r">
+              <a:defRPr sz="1200"/>
+            </a:lvl1pPr>
+          </a:lstStyle>
+          <a:p>
+            <a:fld id="{738E5627-8C0E-FF41-91F7-B50D64EB14A9}" type="slidenum">
+              <a:rPr lang="en-US" smtClean="0"/>
+              <a:t>‹#›</a:t>
+            </a:fld>
+            <a:endParaRPr lang="en-US"/>
+          </a:p>
+        </p:txBody>
+      </p:sp>
+    </p:spTree>
+    <p:extLst>
+      <p:ext uri="{BB962C8B-B14F-4D97-AF65-F5344CB8AC3E}">
+        <p14:creationId xmlns:p14="http://schemas.microsoft.com/office/powerpoint/2010/main" val="1591812340"/>
+      </p:ext>
+    </p:extLst>
+  </p:cSld>
+  <p:clrMap bg1="lt1" tx1="dk1" bg2="lt2" tx2="dk2" accent1="accent1" accent2="accent2" accent3="accent3" accent4="accent4" accent5="accent5" accent6="accent6" hlink="hlink" folHlink="folHlink"/>
+  <p:notesStyle>
+    <a:lvl1pPr marL="0" algn="l" defTabSz="914400" rtl="0" eaLnBrk="1" latinLnBrk="0" hangingPunct="1">
+      <a:defRPr sz="1200" kern="1200">
+        <a:solidFill>
+          <a:schemeClr val="tx1"/>
+        </a:solidFill>
+        <a:latin typeface="+mn-lt"/>
+        <a:ea typeface="+mn-ea"/>
+        <a:cs typeface="+mn-cs"/>
+      </a:defRPr>
+    </a:lvl1pPr>
+    <a:lvl2pPr marL="457200" algn="l" defTabSz="914400" rtl="0" eaLnBrk="1" latinLnBrk="0" hangingPunct="1">
+      <a:defRPr sz="1200" kern="1200">
+        <a:solidFill>
+          <a:schemeClr val="tx1"/>
+        </a:solidFill>
+        <a:latin typeface="+mn-lt"/>
+        <a:ea typeface="+mn-ea"/>
+        <a:cs typeface="+mn-cs"/>
+      </a:defRPr>
+    </a:lvl2pPr>
+    <a:lvl3pPr marL="914400" algn="l" defTabSz="914400" rtl="0" eaLnBrk="1" latinLnBrk="0" hangingPunct="1">
+      <a:defRPr sz="1200" kern="1200">
+        <a:solidFill>
+          <a:schemeClr val="tx1"/>
+        </a:solidFill>
+        <a:latin typeface="+mn-lt"/>
+        <a:ea typeface="+mn-ea"/>
+        <a:cs typeface="+mn-cs"/>
+      </a:defRPr>
+    </a:lvl3pPr>
+    <a:lvl4pPr marL="1371600" algn="l" defTabSz="914400" rtl="0" eaLnBrk="1" latinLnBrk="0" hangingPunct="1">
+      <a:defRPr sz="1200" kern="1200">
+        <a:solidFill>
+          <a:schemeClr val="tx1"/>
+        </a:solidFill>
+        <a:latin typeface="+mn-lt"/>
+        <a:ea typeface="+mn-ea"/>
+        <a:cs typeface="+mn-cs"/>
+      </a:defRPr>
+    </a:lvl4pPr>
+    <a:lvl5pPr marL="1828800" algn="l" defTabSz="914400" rtl="0" eaLnBrk="1" latinLnBrk="0" hangingPunct="1">
+      <a:defRPr sz="1200" kern="1200">
+        <a:solidFill>
+          <a:schemeClr val="tx1"/>
+        </a:solidFill>
+        <a:latin typeface="+mn-lt"/>
+        <a:ea typeface="+mn-ea"/>
+        <a:cs typeface="+mn-cs"/>
+      </a:defRPr>
+    </a:lvl5pPr>
+    <a:lvl6pPr marL="2286000" algn="l" defTabSz="914400" rtl="0" eaLnBrk="1" latinLnBrk="0" hangingPunct="1">
+      <a:defRPr sz="1200" kern="1200">
+        <a:solidFill>
+          <a:schemeClr val="tx1"/>
+        </a:solidFill>
+        <a:latin typeface="+mn-lt"/>
+        <a:ea typeface="+mn-ea"/>
+        <a:cs typeface="+mn-cs"/>
+      </a:defRPr>
+    </a:lvl6pPr>
+    <a:lvl7pPr marL="2743200" algn="l" defTabSz="914400" rtl="0" eaLnBrk="1" latinLnBrk="0" hangingPunct="1">
+      <a:defRPr sz="1200" kern="1200">
+        <a:solidFill>
+          <a:schemeClr val="tx1"/>
+        </a:solidFill>
+        <a:latin typeface="+mn-lt"/>
+        <a:ea typeface="+mn-ea"/>
+        <a:cs typeface="+mn-cs"/>
+      </a:defRPr>
+    </a:lvl7pPr>
+    <a:lvl8pPr marL="3200400" algn="l" defTabSz="914400" rtl="0" eaLnBrk="1" latinLnBrk="0" hangingPunct="1">
+      <a:defRPr sz="1200" kern="1200">
+        <a:solidFill>
+          <a:schemeClr val="tx1"/>
+        </a:solidFill>
+        <a:latin typeface="+mn-lt"/>
+        <a:ea typeface="+mn-ea"/>
+        <a:cs typeface="+mn-cs"/>
+      </a:defRPr>
+    </a:lvl8pPr>
+    <a:lvl9pPr marL="3657600" algn="l" defTabSz="914400" rtl="0" eaLnBrk="1" latinLnBrk="0" hangingPunct="1">
+      <a:defRPr sz="1200" kern="1200">
+        <a:solidFill>
+          <a:schemeClr val="tx1"/>
+        </a:solidFill>
+        <a:latin typeface="+mn-lt"/>
+        <a:ea typeface="+mn-ea"/>
+        <a:cs typeface="+mn-cs"/>
+      </a:defRPr>
+    </a:lvl9pPr>
+  </p:notesStyle>
+</p:notesMaster>
+</file>
+
+<file path=ppt/notesSlides/notesSlide1.xml><?xml version="1.0" encoding="utf-8"?>
+<p:notes xmlns:a="http://schemas.openxmlformats.org/drawingml/2006/main" xmlns:r="http://schemas.openxmlformats.org/officeDocument/2006/relationships" xmlns:p="http://schemas.openxmlformats.org/presentationml/2006/main">
+  <p:cSld>
+    <p:spTree>
+      <p:nvGrpSpPr>
+        <p:cNvPr id="1" name=""/>
+        <p:cNvGrpSpPr/>
+        <p:nvPr/>
+      </p:nvGrpSpPr>
+      <p:grpSpPr>
+        <a:xfrm>
+          <a:off x="0" y="0"/>
+          <a:ext cx="0" cy="0"/>
+          <a:chOff x="0" y="0"/>
+          <a:chExt cx="0" cy="0"/>
+        </a:xfrm>
+      </p:grpSpPr>
+      <p:sp>
+        <p:nvSpPr>
+          <p:cNvPr id="2" name="Slide Image Placeholder 1"/>
+          <p:cNvSpPr>
+            <a:spLocks noGrp="1" noRot="1" noChangeAspect="1"/>
+          </p:cNvSpPr>
+          <p:nvPr>
+            <p:ph type="sldImg"/>
+          </p:nvPr>
+        </p:nvSpPr>
+        <p:spPr/>
+      </p:sp>
+      <p:sp>
+        <p:nvSpPr>
+          <p:cNvPr id="3" name="Notes Placeholder 2"/>
+          <p:cNvSpPr>
+            <a:spLocks noGrp="1"/>
+          </p:cNvSpPr>
+          <p:nvPr>
+            <p:ph type="body" idx="1"/>
+          </p:nvPr>
+        </p:nvSpPr>
+        <p:spPr/>
+        <p:txBody>
+          <a:bodyPr/>
+          <a:lstStyle/>
+          <a:p>
+            <a:endParaRPr lang="en-US" dirty="0"/>
+          </a:p>
+        </p:txBody>
+      </p:sp>
+      <p:sp>
+        <p:nvSpPr>
+          <p:cNvPr id="4" name="Slide Number Placeholder 3"/>
+          <p:cNvSpPr>
+            <a:spLocks noGrp="1"/>
+          </p:cNvSpPr>
+          <p:nvPr>
+            <p:ph type="sldNum" sz="quarter" idx="10"/>
+          </p:nvPr>
+        </p:nvSpPr>
+        <p:spPr/>
+        <p:txBody>
+          <a:bodyPr/>
+          <a:lstStyle/>
+          <a:p>
+            <a:fld id="{738E5627-8C0E-FF41-91F7-B50D64EB14A9}" type="slidenum">
+              <a:rPr lang="en-US" smtClean="0"/>
+              <a:t>5</a:t>
+            </a:fld>
+            <a:endParaRPr lang="en-US"/>
+          </a:p>
+        </p:txBody>
+      </p:sp>
+    </p:spTree>
+    <p:extLst>
+      <p:ext uri="{BB962C8B-B14F-4D97-AF65-F5344CB8AC3E}">
+        <p14:creationId xmlns:p14="http://schemas.microsoft.com/office/powerpoint/2010/main" val="238724054"/>
+      </p:ext>
+    </p:extLst>
+  </p:cSld>
+  <p:clrMapOvr>
+    <a:masterClrMapping/>
+  </p:clrMapOvr>
+</p:notes>
 </file>
 
 <file path=ppt/slideLayouts/slideLayout1.xml><?xml version="1.0" encoding="utf-8"?>
@@ -3834,7 +4295,7 @@
           <a:lstStyle/>
           <a:p>
             <a:r>
-              <a:rPr lang="zh-CN" altLang="en-US" smtClean="0"/>
+              <a:rPr lang="zh-CN" altLang="en-US" dirty="0" smtClean="0"/>
               <a:t>马临轩</a:t>
             </a:r>
             <a:endParaRPr lang="en-US" dirty="0"/>
@@ -3851,6 +4312,3965 @@
   <p:clrMapOvr>
     <a:masterClrMapping/>
   </p:clrMapOvr>
+  <p:timing>
+    <p:tnLst>
+      <p:par>
+        <p:cTn id="1" dur="indefinite" restart="never" nodeType="tmRoot"/>
+      </p:par>
+    </p:tnLst>
+  </p:timing>
+</p:sld>
+</file>
+
+<file path=ppt/slides/slide10.xml><?xml version="1.0" encoding="utf-8"?>
+<p:sld xmlns:a="http://schemas.openxmlformats.org/drawingml/2006/main" xmlns:r="http://schemas.openxmlformats.org/officeDocument/2006/relationships" xmlns:p="http://schemas.openxmlformats.org/presentationml/2006/main">
+  <p:cSld>
+    <p:spTree>
+      <p:nvGrpSpPr>
+        <p:cNvPr id="1" name=""/>
+        <p:cNvGrpSpPr/>
+        <p:nvPr/>
+      </p:nvGrpSpPr>
+      <p:grpSpPr>
+        <a:xfrm>
+          <a:off x="0" y="0"/>
+          <a:ext cx="0" cy="0"/>
+          <a:chOff x="0" y="0"/>
+          <a:chExt cx="0" cy="0"/>
+        </a:xfrm>
+      </p:grpSpPr>
+      <p:sp>
+        <p:nvSpPr>
+          <p:cNvPr id="2" name="Title 1"/>
+          <p:cNvSpPr>
+            <a:spLocks noGrp="1"/>
+          </p:cNvSpPr>
+          <p:nvPr>
+            <p:ph type="title"/>
+          </p:nvPr>
+        </p:nvSpPr>
+        <p:spPr>
+          <a:xfrm>
+            <a:off x="1416756" y="3000023"/>
+            <a:ext cx="9601200" cy="1485900"/>
+          </a:xfrm>
+        </p:spPr>
+        <p:txBody>
+          <a:bodyPr>
+            <a:normAutofit/>
+          </a:bodyPr>
+          <a:lstStyle/>
+          <a:p>
+            <a:pPr algn="ctr"/>
+            <a:r>
+              <a:rPr lang="en-US" altLang="zh-CN" sz="7200" dirty="0" smtClean="0"/>
+              <a:t>Resourcefulness</a:t>
+            </a:r>
+            <a:endParaRPr lang="en-US" sz="7200" dirty="0"/>
+          </a:p>
+        </p:txBody>
+      </p:sp>
+    </p:spTree>
+    <p:extLst>
+      <p:ext uri="{BB962C8B-B14F-4D97-AF65-F5344CB8AC3E}">
+        <p14:creationId xmlns:p14="http://schemas.microsoft.com/office/powerpoint/2010/main" val="373743699"/>
+      </p:ext>
+    </p:extLst>
+  </p:cSld>
+  <p:clrMapOvr>
+    <a:masterClrMapping/>
+  </p:clrMapOvr>
+  <p:timing>
+    <p:tnLst>
+      <p:par>
+        <p:cTn id="1" dur="indefinite" restart="never" nodeType="tmRoot"/>
+      </p:par>
+    </p:tnLst>
+  </p:timing>
+</p:sld>
+</file>
+
+<file path=ppt/slides/slide11.xml><?xml version="1.0" encoding="utf-8"?>
+<p:sld xmlns:a="http://schemas.openxmlformats.org/drawingml/2006/main" xmlns:r="http://schemas.openxmlformats.org/officeDocument/2006/relationships" xmlns:p="http://schemas.openxmlformats.org/presentationml/2006/main">
+  <p:cSld>
+    <p:spTree>
+      <p:nvGrpSpPr>
+        <p:cNvPr id="1" name=""/>
+        <p:cNvGrpSpPr/>
+        <p:nvPr/>
+      </p:nvGrpSpPr>
+      <p:grpSpPr>
+        <a:xfrm>
+          <a:off x="0" y="0"/>
+          <a:ext cx="0" cy="0"/>
+          <a:chOff x="0" y="0"/>
+          <a:chExt cx="0" cy="0"/>
+        </a:xfrm>
+      </p:grpSpPr>
+      <p:sp>
+        <p:nvSpPr>
+          <p:cNvPr id="2" name="Title 1"/>
+          <p:cNvSpPr>
+            <a:spLocks noGrp="1"/>
+          </p:cNvSpPr>
+          <p:nvPr>
+            <p:ph type="title"/>
+          </p:nvPr>
+        </p:nvSpPr>
+        <p:spPr>
+          <a:xfrm>
+            <a:off x="1416756" y="3000023"/>
+            <a:ext cx="9601200" cy="1485900"/>
+          </a:xfrm>
+        </p:spPr>
+        <p:txBody>
+          <a:bodyPr>
+            <a:normAutofit/>
+          </a:bodyPr>
+          <a:lstStyle/>
+          <a:p>
+            <a:pPr algn="ctr"/>
+            <a:r>
+              <a:rPr lang="en-US" altLang="zh-CN" sz="7200" dirty="0" smtClean="0"/>
+              <a:t>Why CS?</a:t>
+            </a:r>
+            <a:endParaRPr lang="en-US" sz="7200" dirty="0"/>
+          </a:p>
+        </p:txBody>
+      </p:sp>
+    </p:spTree>
+    <p:extLst>
+      <p:ext uri="{BB962C8B-B14F-4D97-AF65-F5344CB8AC3E}">
+        <p14:creationId xmlns:p14="http://schemas.microsoft.com/office/powerpoint/2010/main" val="197780939"/>
+      </p:ext>
+    </p:extLst>
+  </p:cSld>
+  <p:clrMapOvr>
+    <a:masterClrMapping/>
+  </p:clrMapOvr>
+  <p:timing>
+    <p:tnLst>
+      <p:par>
+        <p:cTn id="1" dur="indefinite" restart="never" nodeType="tmRoot"/>
+      </p:par>
+    </p:tnLst>
+  </p:timing>
+</p:sld>
+</file>
+
+<file path=ppt/slides/slide12.xml><?xml version="1.0" encoding="utf-8"?>
+<p:sld xmlns:a="http://schemas.openxmlformats.org/drawingml/2006/main" xmlns:r="http://schemas.openxmlformats.org/officeDocument/2006/relationships" xmlns:p="http://schemas.openxmlformats.org/presentationml/2006/main">
+  <p:cSld>
+    <p:spTree>
+      <p:nvGrpSpPr>
+        <p:cNvPr id="1" name=""/>
+        <p:cNvGrpSpPr/>
+        <p:nvPr/>
+      </p:nvGrpSpPr>
+      <p:grpSpPr>
+        <a:xfrm>
+          <a:off x="0" y="0"/>
+          <a:ext cx="0" cy="0"/>
+          <a:chOff x="0" y="0"/>
+          <a:chExt cx="0" cy="0"/>
+        </a:xfrm>
+      </p:grpSpPr>
+      <p:sp>
+        <p:nvSpPr>
+          <p:cNvPr id="2" name="Title 1"/>
+          <p:cNvSpPr>
+            <a:spLocks noGrp="1"/>
+          </p:cNvSpPr>
+          <p:nvPr>
+            <p:ph type="title"/>
+          </p:nvPr>
+        </p:nvSpPr>
+        <p:spPr/>
+        <p:txBody>
+          <a:bodyPr>
+            <a:normAutofit/>
+          </a:bodyPr>
+          <a:lstStyle/>
+          <a:p>
+            <a:r>
+              <a:rPr lang="zh-CN" altLang="en-US" sz="6400" dirty="0" smtClean="0"/>
+              <a:t>奖项</a:t>
+            </a:r>
+            <a:endParaRPr lang="en-US" sz="6400" dirty="0"/>
+          </a:p>
+        </p:txBody>
+      </p:sp>
+      <p:sp>
+        <p:nvSpPr>
+          <p:cNvPr id="3" name="Content Placeholder 2"/>
+          <p:cNvSpPr>
+            <a:spLocks noGrp="1"/>
+          </p:cNvSpPr>
+          <p:nvPr>
+            <p:ph idx="1"/>
+          </p:nvPr>
+        </p:nvSpPr>
+        <p:spPr/>
+        <p:txBody>
+          <a:bodyPr>
+            <a:normAutofit/>
+          </a:bodyPr>
+          <a:lstStyle/>
+          <a:p>
+            <a:r>
+              <a:rPr lang="en-US" sz="3200" dirty="0" smtClean="0"/>
+              <a:t>USACO Gold Division</a:t>
+            </a:r>
+          </a:p>
+          <a:p>
+            <a:r>
+              <a:rPr lang="en-US" sz="3200" dirty="0" smtClean="0"/>
+              <a:t>Conrad National #1</a:t>
+            </a:r>
+            <a:endParaRPr lang="en-US" sz="3200" dirty="0"/>
+          </a:p>
+        </p:txBody>
+      </p:sp>
+    </p:spTree>
+    <p:extLst>
+      <p:ext uri="{BB962C8B-B14F-4D97-AF65-F5344CB8AC3E}">
+        <p14:creationId xmlns:p14="http://schemas.microsoft.com/office/powerpoint/2010/main" val="1567850077"/>
+      </p:ext>
+    </p:extLst>
+  </p:cSld>
+  <p:clrMapOvr>
+    <a:masterClrMapping/>
+  </p:clrMapOvr>
+  <p:timing>
+    <p:tnLst>
+      <p:par>
+        <p:cTn id="1" dur="indefinite" restart="never" nodeType="tmRoot">
+          <p:childTnLst>
+            <p:seq concurrent="1" nextAc="seek">
+              <p:cTn id="2" dur="indefinite" nodeType="mainSeq">
+                <p:childTnLst>
+                  <p:par>
+                    <p:cTn id="3" fill="hold">
+                      <p:stCondLst>
+                        <p:cond delay="indefinite"/>
+                      </p:stCondLst>
+                      <p:childTnLst>
+                        <p:par>
+                          <p:cTn id="4" fill="hold">
+                            <p:stCondLst>
+                              <p:cond delay="0"/>
+                            </p:stCondLst>
+                            <p:childTnLst>
+                              <p:par>
+                                <p:cTn id="5" presetID="1" presetClass="entr" presetSubtype="0" fill="hold" grpId="0" nodeType="clickEffect">
+                                  <p:stCondLst>
+                                    <p:cond delay="0"/>
+                                  </p:stCondLst>
+                                  <p:childTnLst>
+                                    <p:set>
+                                      <p:cBhvr>
+                                        <p:cTn id="6" dur="1" fill="hold">
+                                          <p:stCondLst>
+                                            <p:cond delay="0"/>
+                                          </p:stCondLst>
+                                        </p:cTn>
+                                        <p:tgtEl>
+                                          <p:spTgt spid="3"/>
+                                        </p:tgtEl>
+                                        <p:attrNameLst>
+                                          <p:attrName>style.visibility</p:attrName>
+                                        </p:attrNameLst>
+                                      </p:cBhvr>
+                                      <p:to>
+                                        <p:strVal val="visible"/>
+                                      </p:to>
+                                    </p:set>
+                                  </p:childTnLst>
+                                </p:cTn>
+                              </p:par>
+                            </p:childTnLst>
+                          </p:cTn>
+                        </p:par>
+                      </p:childTnLst>
+                    </p:cTn>
+                  </p:par>
+                </p:childTnLst>
+              </p:cTn>
+              <p:prevCondLst>
+                <p:cond evt="onPrev" delay="0">
+                  <p:tgtEl>
+                    <p:sldTgt/>
+                  </p:tgtEl>
+                </p:cond>
+              </p:prevCondLst>
+              <p:nextCondLst>
+                <p:cond evt="onNext" delay="0">
+                  <p:tgtEl>
+                    <p:sldTgt/>
+                  </p:tgtEl>
+                </p:cond>
+              </p:nextCondLst>
+            </p:seq>
+          </p:childTnLst>
+        </p:cTn>
+      </p:par>
+    </p:tnLst>
+    <p:bldLst>
+      <p:bldP spid="3" grpId="0"/>
+    </p:bldLst>
+  </p:timing>
+</p:sld>
+</file>
+
+<file path=ppt/slides/slide13.xml><?xml version="1.0" encoding="utf-8"?>
+<p:sld xmlns:a="http://schemas.openxmlformats.org/drawingml/2006/main" xmlns:r="http://schemas.openxmlformats.org/officeDocument/2006/relationships" xmlns:p="http://schemas.openxmlformats.org/presentationml/2006/main">
+  <p:cSld>
+    <p:spTree>
+      <p:nvGrpSpPr>
+        <p:cNvPr id="1" name=""/>
+        <p:cNvGrpSpPr/>
+        <p:nvPr/>
+      </p:nvGrpSpPr>
+      <p:grpSpPr>
+        <a:xfrm>
+          <a:off x="0" y="0"/>
+          <a:ext cx="0" cy="0"/>
+          <a:chOff x="0" y="0"/>
+          <a:chExt cx="0" cy="0"/>
+        </a:xfrm>
+      </p:grpSpPr>
+      <p:sp>
+        <p:nvSpPr>
+          <p:cNvPr id="2" name="Title 1"/>
+          <p:cNvSpPr>
+            <a:spLocks noGrp="1"/>
+          </p:cNvSpPr>
+          <p:nvPr>
+            <p:ph type="title"/>
+          </p:nvPr>
+        </p:nvSpPr>
+        <p:spPr/>
+        <p:txBody>
+          <a:bodyPr>
+            <a:normAutofit/>
+          </a:bodyPr>
+          <a:lstStyle/>
+          <a:p>
+            <a:r>
+              <a:rPr lang="zh-CN" altLang="en-US" sz="6400" dirty="0" smtClean="0"/>
+              <a:t>活动</a:t>
+            </a:r>
+            <a:endParaRPr lang="en-US" sz="6400" dirty="0"/>
+          </a:p>
+        </p:txBody>
+      </p:sp>
+      <p:sp>
+        <p:nvSpPr>
+          <p:cNvPr id="3" name="Content Placeholder 2"/>
+          <p:cNvSpPr>
+            <a:spLocks noGrp="1"/>
+          </p:cNvSpPr>
+          <p:nvPr>
+            <p:ph idx="1"/>
+          </p:nvPr>
+        </p:nvSpPr>
+        <p:spPr/>
+        <p:txBody>
+          <a:bodyPr>
+            <a:normAutofit/>
+          </a:bodyPr>
+          <a:lstStyle/>
+          <a:p>
+            <a:r>
+              <a:rPr lang="en-US" altLang="zh-CN" sz="3200" dirty="0" err="1" smtClean="0"/>
+              <a:t>TechX</a:t>
+            </a:r>
+            <a:r>
+              <a:rPr lang="en-US" altLang="zh-CN" sz="3200" dirty="0" smtClean="0"/>
+              <a:t> Internship</a:t>
+            </a:r>
+          </a:p>
+          <a:p>
+            <a:r>
+              <a:rPr lang="zh-CN" altLang="en-US" sz="3200" dirty="0" smtClean="0"/>
+              <a:t>在学校当</a:t>
+            </a:r>
+            <a:r>
+              <a:rPr lang="en-US" altLang="zh-CN" sz="3200" dirty="0" smtClean="0"/>
+              <a:t>TA</a:t>
+            </a:r>
+          </a:p>
+          <a:p>
+            <a:r>
+              <a:rPr lang="en-US" altLang="zh-CN" sz="3200" dirty="0" err="1" smtClean="0"/>
+              <a:t>Codewars</a:t>
+            </a:r>
+            <a:r>
+              <a:rPr lang="zh-CN" altLang="en-US" sz="3200" dirty="0"/>
+              <a:t>（</a:t>
+            </a:r>
+            <a:r>
+              <a:rPr lang="zh-CN" altLang="en-US" sz="3200" dirty="0" smtClean="0"/>
+              <a:t>全球前</a:t>
+            </a:r>
+            <a:r>
+              <a:rPr lang="en-US" altLang="zh-CN" sz="3200" dirty="0" smtClean="0"/>
+              <a:t>20</a:t>
+            </a:r>
+            <a:r>
+              <a:rPr lang="zh-CN" altLang="en-US" sz="3200" dirty="0" smtClean="0"/>
+              <a:t>）</a:t>
+            </a:r>
+            <a:endParaRPr lang="en-US" altLang="zh-CN" sz="3200" dirty="0" smtClean="0"/>
+          </a:p>
+          <a:p>
+            <a:r>
+              <a:rPr lang="en-US" altLang="zh-CN" sz="3200" dirty="0" smtClean="0"/>
+              <a:t>Minecraft </a:t>
+            </a:r>
+            <a:r>
+              <a:rPr lang="en-US" altLang="zh-CN" sz="3200" dirty="0" err="1" smtClean="0"/>
+              <a:t>Modding</a:t>
+            </a:r>
+            <a:r>
+              <a:rPr lang="zh-CN" altLang="en-US" sz="3200" dirty="0" smtClean="0"/>
+              <a:t>（</a:t>
+            </a:r>
+            <a:r>
+              <a:rPr lang="en-US" altLang="zh-CN" sz="3200" dirty="0" smtClean="0"/>
+              <a:t>4 mil downloads</a:t>
+            </a:r>
+            <a:r>
+              <a:rPr lang="zh-CN" altLang="en-US" sz="3200" dirty="0" smtClean="0"/>
+              <a:t>）</a:t>
+            </a:r>
+            <a:endParaRPr lang="en-US" altLang="zh-CN" sz="3200" dirty="0" smtClean="0"/>
+          </a:p>
+          <a:p>
+            <a:endParaRPr lang="en-US" altLang="zh-CN" sz="3200" dirty="0" smtClean="0"/>
+          </a:p>
+          <a:p>
+            <a:endParaRPr lang="en-US" sz="3200" dirty="0"/>
+          </a:p>
+        </p:txBody>
+      </p:sp>
+    </p:spTree>
+    <p:extLst>
+      <p:ext uri="{BB962C8B-B14F-4D97-AF65-F5344CB8AC3E}">
+        <p14:creationId xmlns:p14="http://schemas.microsoft.com/office/powerpoint/2010/main" val="468899399"/>
+      </p:ext>
+    </p:extLst>
+  </p:cSld>
+  <p:clrMapOvr>
+    <a:masterClrMapping/>
+  </p:clrMapOvr>
+  <p:timing>
+    <p:tnLst>
+      <p:par>
+        <p:cTn id="1" dur="indefinite" restart="never" nodeType="tmRoot">
+          <p:childTnLst>
+            <p:seq concurrent="1" nextAc="seek">
+              <p:cTn id="2" dur="indefinite" nodeType="mainSeq">
+                <p:childTnLst>
+                  <p:par>
+                    <p:cTn id="3" fill="hold">
+                      <p:stCondLst>
+                        <p:cond delay="indefinite"/>
+                      </p:stCondLst>
+                      <p:childTnLst>
+                        <p:par>
+                          <p:cTn id="4" fill="hold">
+                            <p:stCondLst>
+                              <p:cond delay="0"/>
+                            </p:stCondLst>
+                            <p:childTnLst>
+                              <p:par>
+                                <p:cTn id="5" presetID="1" presetClass="entr" presetSubtype="0" fill="hold" grpId="0" nodeType="clickEffect">
+                                  <p:stCondLst>
+                                    <p:cond delay="0"/>
+                                  </p:stCondLst>
+                                  <p:childTnLst>
+                                    <p:set>
+                                      <p:cBhvr>
+                                        <p:cTn id="6" dur="1" fill="hold">
+                                          <p:stCondLst>
+                                            <p:cond delay="0"/>
+                                          </p:stCondLst>
+                                        </p:cTn>
+                                        <p:tgtEl>
+                                          <p:spTgt spid="3"/>
+                                        </p:tgtEl>
+                                        <p:attrNameLst>
+                                          <p:attrName>style.visibility</p:attrName>
+                                        </p:attrNameLst>
+                                      </p:cBhvr>
+                                      <p:to>
+                                        <p:strVal val="visible"/>
+                                      </p:to>
+                                    </p:set>
+                                  </p:childTnLst>
+                                </p:cTn>
+                              </p:par>
+                            </p:childTnLst>
+                          </p:cTn>
+                        </p:par>
+                      </p:childTnLst>
+                    </p:cTn>
+                  </p:par>
+                </p:childTnLst>
+              </p:cTn>
+              <p:prevCondLst>
+                <p:cond evt="onPrev" delay="0">
+                  <p:tgtEl>
+                    <p:sldTgt/>
+                  </p:tgtEl>
+                </p:cond>
+              </p:prevCondLst>
+              <p:nextCondLst>
+                <p:cond evt="onNext" delay="0">
+                  <p:tgtEl>
+                    <p:sldTgt/>
+                  </p:tgtEl>
+                </p:cond>
+              </p:nextCondLst>
+            </p:seq>
+          </p:childTnLst>
+        </p:cTn>
+      </p:par>
+    </p:tnLst>
+    <p:bldLst>
+      <p:bldP spid="3" grpId="0"/>
+    </p:bldLst>
+  </p:timing>
+</p:sld>
+</file>
+
+<file path=ppt/slides/slide14.xml><?xml version="1.0" encoding="utf-8"?>
+<p:sld xmlns:a="http://schemas.openxmlformats.org/drawingml/2006/main" xmlns:r="http://schemas.openxmlformats.org/officeDocument/2006/relationships" xmlns:p="http://schemas.openxmlformats.org/presentationml/2006/main">
+  <p:cSld>
+    <p:spTree>
+      <p:nvGrpSpPr>
+        <p:cNvPr id="1" name=""/>
+        <p:cNvGrpSpPr/>
+        <p:nvPr/>
+      </p:nvGrpSpPr>
+      <p:grpSpPr>
+        <a:xfrm>
+          <a:off x="0" y="0"/>
+          <a:ext cx="0" cy="0"/>
+          <a:chOff x="0" y="0"/>
+          <a:chExt cx="0" cy="0"/>
+        </a:xfrm>
+      </p:grpSpPr>
+      <p:sp>
+        <p:nvSpPr>
+          <p:cNvPr id="2" name="Title 1"/>
+          <p:cNvSpPr>
+            <a:spLocks noGrp="1"/>
+          </p:cNvSpPr>
+          <p:nvPr>
+            <p:ph type="title"/>
+          </p:nvPr>
+        </p:nvSpPr>
+        <p:spPr/>
+        <p:txBody>
+          <a:bodyPr>
+            <a:normAutofit/>
+          </a:bodyPr>
+          <a:lstStyle/>
+          <a:p>
+            <a:r>
+              <a:rPr lang="zh-CN" altLang="en-US" sz="6400" dirty="0" smtClean="0"/>
+              <a:t>项目（</a:t>
+            </a:r>
+            <a:r>
+              <a:rPr lang="en-US" altLang="zh-CN" sz="6400" dirty="0" smtClean="0"/>
+              <a:t>1/2</a:t>
+            </a:r>
+            <a:r>
+              <a:rPr lang="zh-CN" altLang="en-US" sz="6400" dirty="0" smtClean="0"/>
+              <a:t>）</a:t>
+            </a:r>
+            <a:endParaRPr lang="en-US" sz="6400" dirty="0"/>
+          </a:p>
+        </p:txBody>
+      </p:sp>
+      <p:sp>
+        <p:nvSpPr>
+          <p:cNvPr id="3" name="Content Placeholder 2"/>
+          <p:cNvSpPr>
+            <a:spLocks noGrp="1"/>
+          </p:cNvSpPr>
+          <p:nvPr>
+            <p:ph idx="1"/>
+          </p:nvPr>
+        </p:nvSpPr>
+        <p:spPr/>
+        <p:txBody>
+          <a:bodyPr>
+            <a:normAutofit/>
+          </a:bodyPr>
+          <a:lstStyle/>
+          <a:p>
+            <a:r>
+              <a:rPr lang="en-US" sz="2400" dirty="0" smtClean="0"/>
+              <a:t>mini-</a:t>
+            </a:r>
+            <a:r>
+              <a:rPr lang="en-US" sz="2400" dirty="0" err="1" smtClean="0"/>
+              <a:t>jvm</a:t>
+            </a:r>
+            <a:r>
+              <a:rPr lang="en-US" sz="2400" dirty="0" smtClean="0"/>
+              <a:t> (C): an implementation of a Java virtual machine</a:t>
+            </a:r>
+          </a:p>
+          <a:p>
+            <a:r>
+              <a:rPr lang="en-US" sz="2400" dirty="0" err="1"/>
+              <a:t>s</a:t>
+            </a:r>
+            <a:r>
+              <a:rPr lang="en-US" sz="2400" dirty="0" err="1" smtClean="0"/>
+              <a:t>ingleline</a:t>
+            </a:r>
+            <a:r>
+              <a:rPr lang="en-US" sz="2400" dirty="0" smtClean="0"/>
+              <a:t> (Python): AST transformer that </a:t>
+            </a:r>
+            <a:r>
+              <a:rPr lang="en-US" sz="2400" dirty="0" err="1" smtClean="0"/>
+              <a:t>transpiles</a:t>
+            </a:r>
+            <a:r>
+              <a:rPr lang="en-US" sz="2400" dirty="0" smtClean="0"/>
+              <a:t> any Python programs into a single line to annoy </a:t>
+            </a:r>
+            <a:r>
+              <a:rPr lang="en-US" sz="2400" dirty="0" err="1" smtClean="0"/>
+              <a:t>Mullan</a:t>
+            </a:r>
+            <a:endParaRPr lang="en-US" sz="2400" dirty="0" smtClean="0"/>
+          </a:p>
+          <a:p>
+            <a:r>
+              <a:rPr lang="en-US" sz="2400" dirty="0" smtClean="0"/>
+              <a:t>to-</a:t>
+            </a:r>
+            <a:r>
+              <a:rPr lang="en-US" sz="2400" dirty="0" err="1" smtClean="0"/>
+              <a:t>fractran</a:t>
+            </a:r>
+            <a:r>
+              <a:rPr lang="en-US" sz="2400" dirty="0" smtClean="0"/>
+              <a:t>-compiler (Python): a subset-C to John Conway’s FRACTRAN esoteric language compiler</a:t>
+            </a:r>
+          </a:p>
+          <a:p>
+            <a:r>
+              <a:rPr lang="en-US" sz="2400" dirty="0" smtClean="0"/>
+              <a:t>mini-compiler (Haskell): a C0 to x86 Assembly compiler</a:t>
+            </a:r>
+          </a:p>
+          <a:p>
+            <a:r>
+              <a:rPr lang="en-US" sz="2400" dirty="0" err="1" smtClean="0"/>
+              <a:t>illumina</a:t>
+            </a:r>
+            <a:r>
+              <a:rPr lang="en-US" sz="2400" dirty="0" smtClean="0"/>
+              <a:t> (C</a:t>
+            </a:r>
+            <a:r>
+              <a:rPr lang="en-US" sz="2400" dirty="0"/>
+              <a:t>++): functional, parallel programming language with IDE integration for analysis and </a:t>
+            </a:r>
+            <a:r>
+              <a:rPr lang="en-US" sz="2400" dirty="0" smtClean="0"/>
+              <a:t>visualization</a:t>
+            </a:r>
+          </a:p>
+        </p:txBody>
+      </p:sp>
+    </p:spTree>
+    <p:extLst>
+      <p:ext uri="{BB962C8B-B14F-4D97-AF65-F5344CB8AC3E}">
+        <p14:creationId xmlns:p14="http://schemas.microsoft.com/office/powerpoint/2010/main" val="898306619"/>
+      </p:ext>
+    </p:extLst>
+  </p:cSld>
+  <p:clrMapOvr>
+    <a:masterClrMapping/>
+  </p:clrMapOvr>
+  <p:timing>
+    <p:tnLst>
+      <p:par>
+        <p:cTn id="1" dur="indefinite" restart="never" nodeType="tmRoot">
+          <p:childTnLst>
+            <p:seq concurrent="1" nextAc="seek">
+              <p:cTn id="2" dur="indefinite" nodeType="mainSeq">
+                <p:childTnLst>
+                  <p:par>
+                    <p:cTn id="3" fill="hold">
+                      <p:stCondLst>
+                        <p:cond delay="indefinite"/>
+                      </p:stCondLst>
+                      <p:childTnLst>
+                        <p:par>
+                          <p:cTn id="4" fill="hold">
+                            <p:stCondLst>
+                              <p:cond delay="0"/>
+                            </p:stCondLst>
+                            <p:childTnLst>
+                              <p:par>
+                                <p:cTn id="5" presetID="1" presetClass="entr" presetSubtype="0" fill="hold" grpId="0" nodeType="clickEffect">
+                                  <p:stCondLst>
+                                    <p:cond delay="0"/>
+                                  </p:stCondLst>
+                                  <p:childTnLst>
+                                    <p:set>
+                                      <p:cBhvr>
+                                        <p:cTn id="6" dur="1" fill="hold">
+                                          <p:stCondLst>
+                                            <p:cond delay="0"/>
+                                          </p:stCondLst>
+                                        </p:cTn>
+                                        <p:tgtEl>
+                                          <p:spTgt spid="3"/>
+                                        </p:tgtEl>
+                                        <p:attrNameLst>
+                                          <p:attrName>style.visibility</p:attrName>
+                                        </p:attrNameLst>
+                                      </p:cBhvr>
+                                      <p:to>
+                                        <p:strVal val="visible"/>
+                                      </p:to>
+                                    </p:set>
+                                  </p:childTnLst>
+                                </p:cTn>
+                              </p:par>
+                            </p:childTnLst>
+                          </p:cTn>
+                        </p:par>
+                      </p:childTnLst>
+                    </p:cTn>
+                  </p:par>
+                </p:childTnLst>
+              </p:cTn>
+              <p:prevCondLst>
+                <p:cond evt="onPrev" delay="0">
+                  <p:tgtEl>
+                    <p:sldTgt/>
+                  </p:tgtEl>
+                </p:cond>
+              </p:prevCondLst>
+              <p:nextCondLst>
+                <p:cond evt="onNext" delay="0">
+                  <p:tgtEl>
+                    <p:sldTgt/>
+                  </p:tgtEl>
+                </p:cond>
+              </p:nextCondLst>
+            </p:seq>
+          </p:childTnLst>
+        </p:cTn>
+      </p:par>
+    </p:tnLst>
+    <p:bldLst>
+      <p:bldP spid="3" grpId="0"/>
+    </p:bldLst>
+  </p:timing>
+</p:sld>
+</file>
+
+<file path=ppt/slides/slide15.xml><?xml version="1.0" encoding="utf-8"?>
+<p:sld xmlns:a="http://schemas.openxmlformats.org/drawingml/2006/main" xmlns:r="http://schemas.openxmlformats.org/officeDocument/2006/relationships" xmlns:p="http://schemas.openxmlformats.org/presentationml/2006/main">
+  <p:cSld>
+    <p:spTree>
+      <p:nvGrpSpPr>
+        <p:cNvPr id="1" name=""/>
+        <p:cNvGrpSpPr/>
+        <p:nvPr/>
+      </p:nvGrpSpPr>
+      <p:grpSpPr>
+        <a:xfrm>
+          <a:off x="0" y="0"/>
+          <a:ext cx="0" cy="0"/>
+          <a:chOff x="0" y="0"/>
+          <a:chExt cx="0" cy="0"/>
+        </a:xfrm>
+      </p:grpSpPr>
+      <p:sp>
+        <p:nvSpPr>
+          <p:cNvPr id="2" name="Title 1"/>
+          <p:cNvSpPr>
+            <a:spLocks noGrp="1"/>
+          </p:cNvSpPr>
+          <p:nvPr>
+            <p:ph type="title"/>
+          </p:nvPr>
+        </p:nvSpPr>
+        <p:spPr/>
+        <p:txBody>
+          <a:bodyPr>
+            <a:normAutofit/>
+          </a:bodyPr>
+          <a:lstStyle/>
+          <a:p>
+            <a:r>
+              <a:rPr lang="zh-CN" altLang="en-US" sz="6400" dirty="0" smtClean="0"/>
+              <a:t>项目（</a:t>
+            </a:r>
+            <a:r>
+              <a:rPr lang="en-US" altLang="zh-CN" sz="6400" dirty="0" smtClean="0"/>
+              <a:t>2/2</a:t>
+            </a:r>
+            <a:r>
+              <a:rPr lang="zh-CN" altLang="en-US" sz="6400" dirty="0" smtClean="0"/>
+              <a:t>）</a:t>
+            </a:r>
+            <a:endParaRPr lang="en-US" sz="6400" dirty="0"/>
+          </a:p>
+        </p:txBody>
+      </p:sp>
+      <p:sp>
+        <p:nvSpPr>
+          <p:cNvPr id="3" name="Content Placeholder 2"/>
+          <p:cNvSpPr>
+            <a:spLocks noGrp="1"/>
+          </p:cNvSpPr>
+          <p:nvPr>
+            <p:ph idx="1"/>
+          </p:nvPr>
+        </p:nvSpPr>
+        <p:spPr/>
+        <p:txBody>
+          <a:bodyPr>
+            <a:normAutofit/>
+          </a:bodyPr>
+          <a:lstStyle/>
+          <a:p>
+            <a:r>
+              <a:rPr lang="en-US" sz="2400" dirty="0" smtClean="0"/>
+              <a:t>Donkey IDE (</a:t>
+            </a:r>
+            <a:r>
+              <a:rPr lang="en-US" sz="2400" dirty="0" err="1" smtClean="0"/>
+              <a:t>Javascript</a:t>
+            </a:r>
+            <a:r>
+              <a:rPr lang="en-US" sz="2400" dirty="0" smtClean="0"/>
+              <a:t>): </a:t>
+            </a:r>
+            <a:r>
+              <a:rPr lang="zh-CN" altLang="en-US" sz="2400" dirty="0" smtClean="0"/>
+              <a:t>一个跑</a:t>
+            </a:r>
+            <a:r>
+              <a:rPr lang="en-US" altLang="zh-CN" sz="2400" dirty="0" smtClean="0"/>
+              <a:t> IB Pseudocode </a:t>
+            </a:r>
+            <a:r>
+              <a:rPr lang="zh-CN" altLang="en-US" sz="2400" dirty="0" smtClean="0"/>
+              <a:t>的网页端编译器</a:t>
+            </a:r>
+            <a:r>
+              <a:rPr lang="en-US" altLang="zh-CN" sz="2400" dirty="0" smtClean="0"/>
+              <a:t>+</a:t>
+            </a:r>
+            <a:r>
+              <a:rPr lang="zh-CN" altLang="en-US" sz="2400" dirty="0" smtClean="0"/>
+              <a:t>运行虚拟机</a:t>
+            </a:r>
+            <a:r>
+              <a:rPr lang="en-US" altLang="zh-CN" sz="2400" dirty="0" smtClean="0"/>
+              <a:t>+debugger</a:t>
+            </a:r>
+          </a:p>
+          <a:p>
+            <a:r>
+              <a:rPr lang="en-US" sz="2400" dirty="0" smtClean="0"/>
+              <a:t>Tiny Mob Farm (Java): </a:t>
+            </a:r>
+            <a:r>
+              <a:rPr lang="zh-CN" altLang="en-US" sz="2400" dirty="0" smtClean="0"/>
+              <a:t>一个</a:t>
+            </a:r>
+            <a:r>
+              <a:rPr lang="en-US" altLang="zh-CN" sz="2400" dirty="0" smtClean="0"/>
+              <a:t> Minecraft Mod</a:t>
+            </a:r>
+          </a:p>
+          <a:p>
+            <a:r>
+              <a:rPr lang="en-US" sz="2400" dirty="0" smtClean="0"/>
+              <a:t>Voxels (C++): an open-world voxel game</a:t>
+            </a:r>
+          </a:p>
+          <a:p>
+            <a:r>
+              <a:rPr lang="zh-CN" altLang="en-US" sz="2400" dirty="0" smtClean="0"/>
+              <a:t>（一堆小的项目）</a:t>
+            </a:r>
+            <a:endParaRPr lang="en-US" sz="2400" dirty="0" smtClean="0"/>
+          </a:p>
+        </p:txBody>
+      </p:sp>
+    </p:spTree>
+    <p:extLst>
+      <p:ext uri="{BB962C8B-B14F-4D97-AF65-F5344CB8AC3E}">
+        <p14:creationId xmlns:p14="http://schemas.microsoft.com/office/powerpoint/2010/main" val="215439525"/>
+      </p:ext>
+    </p:extLst>
+  </p:cSld>
+  <p:clrMapOvr>
+    <a:masterClrMapping/>
+  </p:clrMapOvr>
+  <p:timing>
+    <p:tnLst>
+      <p:par>
+        <p:cTn id="1" dur="indefinite" restart="never" nodeType="tmRoot">
+          <p:childTnLst>
+            <p:seq concurrent="1" nextAc="seek">
+              <p:cTn id="2" dur="indefinite" nodeType="mainSeq">
+                <p:childTnLst>
+                  <p:par>
+                    <p:cTn id="3" fill="hold">
+                      <p:stCondLst>
+                        <p:cond delay="indefinite"/>
+                      </p:stCondLst>
+                      <p:childTnLst>
+                        <p:par>
+                          <p:cTn id="4" fill="hold">
+                            <p:stCondLst>
+                              <p:cond delay="0"/>
+                            </p:stCondLst>
+                            <p:childTnLst>
+                              <p:par>
+                                <p:cTn id="5" presetID="1" presetClass="entr" presetSubtype="0" fill="hold" grpId="0" nodeType="clickEffect">
+                                  <p:stCondLst>
+                                    <p:cond delay="0"/>
+                                  </p:stCondLst>
+                                  <p:childTnLst>
+                                    <p:set>
+                                      <p:cBhvr>
+                                        <p:cTn id="6" dur="1" fill="hold">
+                                          <p:stCondLst>
+                                            <p:cond delay="0"/>
+                                          </p:stCondLst>
+                                        </p:cTn>
+                                        <p:tgtEl>
+                                          <p:spTgt spid="3"/>
+                                        </p:tgtEl>
+                                        <p:attrNameLst>
+                                          <p:attrName>style.visibility</p:attrName>
+                                        </p:attrNameLst>
+                                      </p:cBhvr>
+                                      <p:to>
+                                        <p:strVal val="visible"/>
+                                      </p:to>
+                                    </p:set>
+                                  </p:childTnLst>
+                                </p:cTn>
+                              </p:par>
+                            </p:childTnLst>
+                          </p:cTn>
+                        </p:par>
+                      </p:childTnLst>
+                    </p:cTn>
+                  </p:par>
+                </p:childTnLst>
+              </p:cTn>
+              <p:prevCondLst>
+                <p:cond evt="onPrev" delay="0">
+                  <p:tgtEl>
+                    <p:sldTgt/>
+                  </p:tgtEl>
+                </p:cond>
+              </p:prevCondLst>
+              <p:nextCondLst>
+                <p:cond evt="onNext" delay="0">
+                  <p:tgtEl>
+                    <p:sldTgt/>
+                  </p:tgtEl>
+                </p:cond>
+              </p:nextCondLst>
+            </p:seq>
+          </p:childTnLst>
+        </p:cTn>
+      </p:par>
+    </p:tnLst>
+    <p:bldLst>
+      <p:bldP spid="3" grpId="0"/>
+    </p:bldLst>
+  </p:timing>
+</p:sld>
+</file>
+
+<file path=ppt/slides/slide16.xml><?xml version="1.0" encoding="utf-8"?>
+<p:sld xmlns:a="http://schemas.openxmlformats.org/drawingml/2006/main" xmlns:r="http://schemas.openxmlformats.org/officeDocument/2006/relationships" xmlns:p="http://schemas.openxmlformats.org/presentationml/2006/main">
+  <p:cSld>
+    <p:spTree>
+      <p:nvGrpSpPr>
+        <p:cNvPr id="1" name=""/>
+        <p:cNvGrpSpPr/>
+        <p:nvPr/>
+      </p:nvGrpSpPr>
+      <p:grpSpPr>
+        <a:xfrm>
+          <a:off x="0" y="0"/>
+          <a:ext cx="0" cy="0"/>
+          <a:chOff x="0" y="0"/>
+          <a:chExt cx="0" cy="0"/>
+        </a:xfrm>
+      </p:grpSpPr>
+      <p:sp>
+        <p:nvSpPr>
+          <p:cNvPr id="2" name="Title 1"/>
+          <p:cNvSpPr>
+            <a:spLocks noGrp="1"/>
+          </p:cNvSpPr>
+          <p:nvPr>
+            <p:ph type="title"/>
+          </p:nvPr>
+        </p:nvSpPr>
+        <p:spPr/>
+        <p:txBody>
+          <a:bodyPr>
+            <a:normAutofit/>
+          </a:bodyPr>
+          <a:lstStyle/>
+          <a:p>
+            <a:r>
+              <a:rPr lang="zh-CN" altLang="en-US" sz="6400" dirty="0" smtClean="0"/>
+              <a:t>课（</a:t>
+            </a:r>
+            <a:r>
+              <a:rPr lang="en-US" altLang="zh-CN" sz="6400" dirty="0" smtClean="0"/>
+              <a:t>1/2</a:t>
+            </a:r>
+            <a:r>
+              <a:rPr lang="zh-CN" altLang="en-US" sz="6400" dirty="0" smtClean="0"/>
+              <a:t>）</a:t>
+            </a:r>
+            <a:endParaRPr lang="en-US" sz="6400" dirty="0"/>
+          </a:p>
+        </p:txBody>
+      </p:sp>
+      <p:sp>
+        <p:nvSpPr>
+          <p:cNvPr id="3" name="Content Placeholder 2"/>
+          <p:cNvSpPr>
+            <a:spLocks noGrp="1"/>
+          </p:cNvSpPr>
+          <p:nvPr>
+            <p:ph idx="1"/>
+          </p:nvPr>
+        </p:nvSpPr>
+        <p:spPr/>
+        <p:txBody>
+          <a:bodyPr>
+            <a:normAutofit fontScale="92500"/>
+          </a:bodyPr>
+          <a:lstStyle/>
+          <a:p>
+            <a:r>
+              <a:rPr lang="en-US" sz="3200" dirty="0" smtClean="0"/>
+              <a:t>CMU 15-150 Introduction to Functional Programming</a:t>
+            </a:r>
+          </a:p>
+          <a:p>
+            <a:r>
+              <a:rPr lang="en-US" sz="3200" dirty="0" smtClean="0"/>
+              <a:t>CMU 15-213 Introduction to Computer Systems</a:t>
+            </a:r>
+          </a:p>
+          <a:p>
+            <a:r>
+              <a:rPr lang="en-US" sz="3200" dirty="0" smtClean="0"/>
+              <a:t>CMU 15-411 Compiler Design</a:t>
+            </a:r>
+          </a:p>
+          <a:p>
+            <a:r>
+              <a:rPr lang="en-US" sz="3200" dirty="0" smtClean="0"/>
+              <a:t>CMU 15-462 Computer Graphics</a:t>
+            </a:r>
+          </a:p>
+          <a:p>
+            <a:r>
+              <a:rPr lang="en-US" sz="3200" dirty="0" smtClean="0"/>
+              <a:t>CMU 15-468 Physics-Based Rendering</a:t>
+            </a:r>
+          </a:p>
+          <a:p>
+            <a:r>
+              <a:rPr lang="en-US" sz="3200" dirty="0" smtClean="0"/>
+              <a:t>CMU 10-725 Convex Optimization</a:t>
+            </a:r>
+          </a:p>
+          <a:p>
+            <a:endParaRPr lang="en-US" sz="3200" dirty="0"/>
+          </a:p>
+        </p:txBody>
+      </p:sp>
+    </p:spTree>
+    <p:extLst>
+      <p:ext uri="{BB962C8B-B14F-4D97-AF65-F5344CB8AC3E}">
+        <p14:creationId xmlns:p14="http://schemas.microsoft.com/office/powerpoint/2010/main" val="1014515341"/>
+      </p:ext>
+    </p:extLst>
+  </p:cSld>
+  <p:clrMapOvr>
+    <a:masterClrMapping/>
+  </p:clrMapOvr>
+  <p:timing>
+    <p:tnLst>
+      <p:par>
+        <p:cTn id="1" dur="indefinite" restart="never" nodeType="tmRoot">
+          <p:childTnLst>
+            <p:seq concurrent="1" nextAc="seek">
+              <p:cTn id="2" dur="indefinite" nodeType="mainSeq">
+                <p:childTnLst>
+                  <p:par>
+                    <p:cTn id="3" fill="hold">
+                      <p:stCondLst>
+                        <p:cond delay="indefinite"/>
+                      </p:stCondLst>
+                      <p:childTnLst>
+                        <p:par>
+                          <p:cTn id="4" fill="hold">
+                            <p:stCondLst>
+                              <p:cond delay="0"/>
+                            </p:stCondLst>
+                            <p:childTnLst>
+                              <p:par>
+                                <p:cTn id="5" presetID="1" presetClass="entr" presetSubtype="0" fill="hold" grpId="0" nodeType="clickEffect">
+                                  <p:stCondLst>
+                                    <p:cond delay="0"/>
+                                  </p:stCondLst>
+                                  <p:childTnLst>
+                                    <p:set>
+                                      <p:cBhvr>
+                                        <p:cTn id="6" dur="1" fill="hold">
+                                          <p:stCondLst>
+                                            <p:cond delay="0"/>
+                                          </p:stCondLst>
+                                        </p:cTn>
+                                        <p:tgtEl>
+                                          <p:spTgt spid="3"/>
+                                        </p:tgtEl>
+                                        <p:attrNameLst>
+                                          <p:attrName>style.visibility</p:attrName>
+                                        </p:attrNameLst>
+                                      </p:cBhvr>
+                                      <p:to>
+                                        <p:strVal val="visible"/>
+                                      </p:to>
+                                    </p:set>
+                                  </p:childTnLst>
+                                </p:cTn>
+                              </p:par>
+                            </p:childTnLst>
+                          </p:cTn>
+                        </p:par>
+                      </p:childTnLst>
+                    </p:cTn>
+                  </p:par>
+                </p:childTnLst>
+              </p:cTn>
+              <p:prevCondLst>
+                <p:cond evt="onPrev" delay="0">
+                  <p:tgtEl>
+                    <p:sldTgt/>
+                  </p:tgtEl>
+                </p:cond>
+              </p:prevCondLst>
+              <p:nextCondLst>
+                <p:cond evt="onNext" delay="0">
+                  <p:tgtEl>
+                    <p:sldTgt/>
+                  </p:tgtEl>
+                </p:cond>
+              </p:nextCondLst>
+            </p:seq>
+          </p:childTnLst>
+        </p:cTn>
+      </p:par>
+    </p:tnLst>
+    <p:bldLst>
+      <p:bldP spid="3" grpId="0"/>
+    </p:bldLst>
+  </p:timing>
+</p:sld>
+</file>
+
+<file path=ppt/slides/slide17.xml><?xml version="1.0" encoding="utf-8"?>
+<p:sld xmlns:a="http://schemas.openxmlformats.org/drawingml/2006/main" xmlns:r="http://schemas.openxmlformats.org/officeDocument/2006/relationships" xmlns:p="http://schemas.openxmlformats.org/presentationml/2006/main">
+  <p:cSld>
+    <p:spTree>
+      <p:nvGrpSpPr>
+        <p:cNvPr id="1" name=""/>
+        <p:cNvGrpSpPr/>
+        <p:nvPr/>
+      </p:nvGrpSpPr>
+      <p:grpSpPr>
+        <a:xfrm>
+          <a:off x="0" y="0"/>
+          <a:ext cx="0" cy="0"/>
+          <a:chOff x="0" y="0"/>
+          <a:chExt cx="0" cy="0"/>
+        </a:xfrm>
+      </p:grpSpPr>
+      <p:sp>
+        <p:nvSpPr>
+          <p:cNvPr id="2" name="Title 1"/>
+          <p:cNvSpPr>
+            <a:spLocks noGrp="1"/>
+          </p:cNvSpPr>
+          <p:nvPr>
+            <p:ph type="title"/>
+          </p:nvPr>
+        </p:nvSpPr>
+        <p:spPr/>
+        <p:txBody>
+          <a:bodyPr>
+            <a:normAutofit/>
+          </a:bodyPr>
+          <a:lstStyle/>
+          <a:p>
+            <a:r>
+              <a:rPr lang="zh-CN" altLang="en-US" sz="6400" dirty="0" smtClean="0"/>
+              <a:t>课（</a:t>
+            </a:r>
+            <a:r>
+              <a:rPr lang="en-US" altLang="zh-CN" sz="6400" dirty="0" smtClean="0"/>
+              <a:t>2/2</a:t>
+            </a:r>
+            <a:r>
+              <a:rPr lang="zh-CN" altLang="en-US" sz="6400" dirty="0" smtClean="0"/>
+              <a:t>）</a:t>
+            </a:r>
+            <a:endParaRPr lang="en-US" sz="6400" dirty="0"/>
+          </a:p>
+        </p:txBody>
+      </p:sp>
+      <p:sp>
+        <p:nvSpPr>
+          <p:cNvPr id="3" name="Content Placeholder 2"/>
+          <p:cNvSpPr>
+            <a:spLocks noGrp="1"/>
+          </p:cNvSpPr>
+          <p:nvPr>
+            <p:ph idx="1"/>
+          </p:nvPr>
+        </p:nvSpPr>
+        <p:spPr/>
+        <p:txBody>
+          <a:bodyPr>
+            <a:normAutofit/>
+          </a:bodyPr>
+          <a:lstStyle/>
+          <a:p>
+            <a:r>
+              <a:rPr lang="en-US" sz="3200" dirty="0" smtClean="0"/>
+              <a:t>MIT 18.06x Linear Algebra</a:t>
+            </a:r>
+          </a:p>
+          <a:p>
+            <a:r>
+              <a:rPr lang="en-US" sz="3200" dirty="0" smtClean="0"/>
+              <a:t>MIT 18.02x Multivariable Calculus</a:t>
+            </a:r>
+          </a:p>
+          <a:p>
+            <a:r>
+              <a:rPr lang="en-US" sz="3200" dirty="0" smtClean="0"/>
+              <a:t>HMC Real Analysis</a:t>
+            </a:r>
+          </a:p>
+          <a:p>
+            <a:r>
+              <a:rPr lang="en-US" sz="3200" dirty="0" smtClean="0"/>
+              <a:t>UCB Prof. Richard – Complex Analysis</a:t>
+            </a:r>
+          </a:p>
+          <a:p>
+            <a:r>
+              <a:rPr lang="en-US" sz="3200" dirty="0"/>
+              <a:t>UCB Prof. </a:t>
+            </a:r>
+            <a:r>
+              <a:rPr lang="en-US" sz="3200" dirty="0" smtClean="0"/>
+              <a:t>Richard – Group Theory</a:t>
+            </a:r>
+          </a:p>
+          <a:p>
+            <a:endParaRPr lang="en-US" sz="3200" dirty="0"/>
+          </a:p>
+        </p:txBody>
+      </p:sp>
+    </p:spTree>
+    <p:extLst>
+      <p:ext uri="{BB962C8B-B14F-4D97-AF65-F5344CB8AC3E}">
+        <p14:creationId xmlns:p14="http://schemas.microsoft.com/office/powerpoint/2010/main" val="1452807643"/>
+      </p:ext>
+    </p:extLst>
+  </p:cSld>
+  <p:clrMapOvr>
+    <a:masterClrMapping/>
+  </p:clrMapOvr>
+  <p:timing>
+    <p:tnLst>
+      <p:par>
+        <p:cTn id="1" dur="indefinite" restart="never" nodeType="tmRoot">
+          <p:childTnLst>
+            <p:seq concurrent="1" nextAc="seek">
+              <p:cTn id="2" dur="indefinite" nodeType="mainSeq">
+                <p:childTnLst>
+                  <p:par>
+                    <p:cTn id="3" fill="hold">
+                      <p:stCondLst>
+                        <p:cond delay="indefinite"/>
+                      </p:stCondLst>
+                      <p:childTnLst>
+                        <p:par>
+                          <p:cTn id="4" fill="hold">
+                            <p:stCondLst>
+                              <p:cond delay="0"/>
+                            </p:stCondLst>
+                            <p:childTnLst>
+                              <p:par>
+                                <p:cTn id="5" presetID="1" presetClass="entr" presetSubtype="0" fill="hold" grpId="0" nodeType="clickEffect">
+                                  <p:stCondLst>
+                                    <p:cond delay="0"/>
+                                  </p:stCondLst>
+                                  <p:childTnLst>
+                                    <p:set>
+                                      <p:cBhvr>
+                                        <p:cTn id="6" dur="1" fill="hold">
+                                          <p:stCondLst>
+                                            <p:cond delay="0"/>
+                                          </p:stCondLst>
+                                        </p:cTn>
+                                        <p:tgtEl>
+                                          <p:spTgt spid="3"/>
+                                        </p:tgtEl>
+                                        <p:attrNameLst>
+                                          <p:attrName>style.visibility</p:attrName>
+                                        </p:attrNameLst>
+                                      </p:cBhvr>
+                                      <p:to>
+                                        <p:strVal val="visible"/>
+                                      </p:to>
+                                    </p:set>
+                                  </p:childTnLst>
+                                </p:cTn>
+                              </p:par>
+                            </p:childTnLst>
+                          </p:cTn>
+                        </p:par>
+                      </p:childTnLst>
+                    </p:cTn>
+                  </p:par>
+                </p:childTnLst>
+              </p:cTn>
+              <p:prevCondLst>
+                <p:cond evt="onPrev" delay="0">
+                  <p:tgtEl>
+                    <p:sldTgt/>
+                  </p:tgtEl>
+                </p:cond>
+              </p:prevCondLst>
+              <p:nextCondLst>
+                <p:cond evt="onNext" delay="0">
+                  <p:tgtEl>
+                    <p:sldTgt/>
+                  </p:tgtEl>
+                </p:cond>
+              </p:nextCondLst>
+            </p:seq>
+          </p:childTnLst>
+        </p:cTn>
+      </p:par>
+    </p:tnLst>
+    <p:bldLst>
+      <p:bldP spid="3" grpId="0"/>
+    </p:bldLst>
+  </p:timing>
+</p:sld>
+</file>
+
+<file path=ppt/slides/slide18.xml><?xml version="1.0" encoding="utf-8"?>
+<p:sld xmlns:a="http://schemas.openxmlformats.org/drawingml/2006/main" xmlns:r="http://schemas.openxmlformats.org/officeDocument/2006/relationships" xmlns:p="http://schemas.openxmlformats.org/presentationml/2006/main">
+  <p:cSld>
+    <p:spTree>
+      <p:nvGrpSpPr>
+        <p:cNvPr id="1" name=""/>
+        <p:cNvGrpSpPr/>
+        <p:nvPr/>
+      </p:nvGrpSpPr>
+      <p:grpSpPr>
+        <a:xfrm>
+          <a:off x="0" y="0"/>
+          <a:ext cx="0" cy="0"/>
+          <a:chOff x="0" y="0"/>
+          <a:chExt cx="0" cy="0"/>
+        </a:xfrm>
+      </p:grpSpPr>
+      <p:sp>
+        <p:nvSpPr>
+          <p:cNvPr id="2" name="Title 1"/>
+          <p:cNvSpPr>
+            <a:spLocks noGrp="1"/>
+          </p:cNvSpPr>
+          <p:nvPr>
+            <p:ph type="title"/>
+          </p:nvPr>
+        </p:nvSpPr>
+        <p:spPr/>
+        <p:txBody>
+          <a:bodyPr>
+            <a:normAutofit/>
+          </a:bodyPr>
+          <a:lstStyle/>
+          <a:p>
+            <a:r>
+              <a:rPr lang="zh-CN" altLang="en-US" sz="6400" dirty="0" smtClean="0"/>
+              <a:t>推荐活动</a:t>
+            </a:r>
+            <a:endParaRPr lang="en-US" sz="6400" dirty="0"/>
+          </a:p>
+        </p:txBody>
+      </p:sp>
+      <p:sp>
+        <p:nvSpPr>
+          <p:cNvPr id="3" name="Content Placeholder 2"/>
+          <p:cNvSpPr>
+            <a:spLocks noGrp="1"/>
+          </p:cNvSpPr>
+          <p:nvPr>
+            <p:ph idx="1"/>
+          </p:nvPr>
+        </p:nvSpPr>
+        <p:spPr/>
+        <p:txBody>
+          <a:bodyPr>
+            <a:normAutofit/>
+          </a:bodyPr>
+          <a:lstStyle/>
+          <a:p>
+            <a:r>
+              <a:rPr lang="en-US" sz="3200" dirty="0" err="1" smtClean="0"/>
+              <a:t>Kaggle</a:t>
+            </a:r>
+            <a:endParaRPr lang="en-US" sz="3200" dirty="0" smtClean="0"/>
+          </a:p>
+          <a:p>
+            <a:r>
+              <a:rPr lang="en-US" sz="3200" dirty="0" smtClean="0"/>
+              <a:t>Ross</a:t>
+            </a:r>
+          </a:p>
+          <a:p>
+            <a:r>
+              <a:rPr lang="en-US" sz="3200" dirty="0" smtClean="0"/>
+              <a:t>Cold-email profs about their courses with your work</a:t>
+            </a:r>
+          </a:p>
+          <a:p>
+            <a:endParaRPr lang="en-US" sz="3200" dirty="0" smtClean="0"/>
+          </a:p>
+        </p:txBody>
+      </p:sp>
+    </p:spTree>
+    <p:extLst>
+      <p:ext uri="{BB962C8B-B14F-4D97-AF65-F5344CB8AC3E}">
+        <p14:creationId xmlns:p14="http://schemas.microsoft.com/office/powerpoint/2010/main" val="638765966"/>
+      </p:ext>
+    </p:extLst>
+  </p:cSld>
+  <p:clrMapOvr>
+    <a:masterClrMapping/>
+  </p:clrMapOvr>
+  <p:timing>
+    <p:tnLst>
+      <p:par>
+        <p:cTn id="1" dur="indefinite" restart="never" nodeType="tmRoot">
+          <p:childTnLst>
+            <p:seq concurrent="1" nextAc="seek">
+              <p:cTn id="2" dur="indefinite" nodeType="mainSeq">
+                <p:childTnLst>
+                  <p:par>
+                    <p:cTn id="3" fill="hold">
+                      <p:stCondLst>
+                        <p:cond delay="indefinite"/>
+                      </p:stCondLst>
+                      <p:childTnLst>
+                        <p:par>
+                          <p:cTn id="4" fill="hold">
+                            <p:stCondLst>
+                              <p:cond delay="0"/>
+                            </p:stCondLst>
+                            <p:childTnLst>
+                              <p:par>
+                                <p:cTn id="5" presetID="1" presetClass="entr" presetSubtype="0" fill="hold" grpId="0" nodeType="clickEffect">
+                                  <p:stCondLst>
+                                    <p:cond delay="0"/>
+                                  </p:stCondLst>
+                                  <p:childTnLst>
+                                    <p:set>
+                                      <p:cBhvr>
+                                        <p:cTn id="6" dur="1" fill="hold">
+                                          <p:stCondLst>
+                                            <p:cond delay="0"/>
+                                          </p:stCondLst>
+                                        </p:cTn>
+                                        <p:tgtEl>
+                                          <p:spTgt spid="3"/>
+                                        </p:tgtEl>
+                                        <p:attrNameLst>
+                                          <p:attrName>style.visibility</p:attrName>
+                                        </p:attrNameLst>
+                                      </p:cBhvr>
+                                      <p:to>
+                                        <p:strVal val="visible"/>
+                                      </p:to>
+                                    </p:set>
+                                  </p:childTnLst>
+                                </p:cTn>
+                              </p:par>
+                            </p:childTnLst>
+                          </p:cTn>
+                        </p:par>
+                      </p:childTnLst>
+                    </p:cTn>
+                  </p:par>
+                </p:childTnLst>
+              </p:cTn>
+              <p:prevCondLst>
+                <p:cond evt="onPrev" delay="0">
+                  <p:tgtEl>
+                    <p:sldTgt/>
+                  </p:tgtEl>
+                </p:cond>
+              </p:prevCondLst>
+              <p:nextCondLst>
+                <p:cond evt="onNext" delay="0">
+                  <p:tgtEl>
+                    <p:sldTgt/>
+                  </p:tgtEl>
+                </p:cond>
+              </p:nextCondLst>
+            </p:seq>
+          </p:childTnLst>
+        </p:cTn>
+      </p:par>
+    </p:tnLst>
+    <p:bldLst>
+      <p:bldP spid="3" grpId="0"/>
+    </p:bldLst>
+  </p:timing>
+</p:sld>
+</file>
+
+<file path=ppt/slides/slide19.xml><?xml version="1.0" encoding="utf-8"?>
+<p:sld xmlns:a="http://schemas.openxmlformats.org/drawingml/2006/main" xmlns:r="http://schemas.openxmlformats.org/officeDocument/2006/relationships" xmlns:p="http://schemas.openxmlformats.org/presentationml/2006/main">
+  <p:cSld>
+    <p:spTree>
+      <p:nvGrpSpPr>
+        <p:cNvPr id="1" name=""/>
+        <p:cNvGrpSpPr/>
+        <p:nvPr/>
+      </p:nvGrpSpPr>
+      <p:grpSpPr>
+        <a:xfrm>
+          <a:off x="0" y="0"/>
+          <a:ext cx="0" cy="0"/>
+          <a:chOff x="0" y="0"/>
+          <a:chExt cx="0" cy="0"/>
+        </a:xfrm>
+      </p:grpSpPr>
+      <p:sp>
+        <p:nvSpPr>
+          <p:cNvPr id="2" name="Title 1"/>
+          <p:cNvSpPr>
+            <a:spLocks noGrp="1"/>
+          </p:cNvSpPr>
+          <p:nvPr>
+            <p:ph type="title"/>
+          </p:nvPr>
+        </p:nvSpPr>
+        <p:spPr/>
+        <p:txBody>
+          <a:bodyPr>
+            <a:normAutofit/>
+          </a:bodyPr>
+          <a:lstStyle/>
+          <a:p>
+            <a:r>
+              <a:rPr lang="zh-CN" altLang="en-US" sz="6400" dirty="0" smtClean="0"/>
+              <a:t>避雷活动</a:t>
+            </a:r>
+            <a:endParaRPr lang="en-US" sz="6400" dirty="0"/>
+          </a:p>
+        </p:txBody>
+      </p:sp>
+      <p:sp>
+        <p:nvSpPr>
+          <p:cNvPr id="3" name="Content Placeholder 2"/>
+          <p:cNvSpPr>
+            <a:spLocks noGrp="1"/>
+          </p:cNvSpPr>
+          <p:nvPr>
+            <p:ph idx="1"/>
+          </p:nvPr>
+        </p:nvSpPr>
+        <p:spPr/>
+        <p:txBody>
+          <a:bodyPr>
+            <a:normAutofit/>
+          </a:bodyPr>
+          <a:lstStyle/>
+          <a:p>
+            <a:r>
+              <a:rPr lang="en-US" sz="3200" dirty="0" smtClean="0"/>
+              <a:t>&lt;</a:t>
+            </a:r>
+            <a:r>
+              <a:rPr lang="zh-CN" altLang="en-US" sz="3200" dirty="0" smtClean="0"/>
+              <a:t>我的律师建议我不要把这一页内容写出来</a:t>
+            </a:r>
+            <a:r>
+              <a:rPr lang="en-US" sz="3200" dirty="0" smtClean="0"/>
+              <a:t>&gt;</a:t>
+            </a:r>
+          </a:p>
+        </p:txBody>
+      </p:sp>
+    </p:spTree>
+    <p:extLst>
+      <p:ext uri="{BB962C8B-B14F-4D97-AF65-F5344CB8AC3E}">
+        <p14:creationId xmlns:p14="http://schemas.microsoft.com/office/powerpoint/2010/main" val="2054078653"/>
+      </p:ext>
+    </p:extLst>
+  </p:cSld>
+  <p:clrMapOvr>
+    <a:masterClrMapping/>
+  </p:clrMapOvr>
+  <p:timing>
+    <p:tnLst>
+      <p:par>
+        <p:cTn id="1" dur="indefinite" restart="never" nodeType="tmRoot">
+          <p:childTnLst>
+            <p:seq concurrent="1" nextAc="seek">
+              <p:cTn id="2" dur="indefinite" nodeType="mainSeq">
+                <p:childTnLst>
+                  <p:par>
+                    <p:cTn id="3" fill="hold">
+                      <p:stCondLst>
+                        <p:cond delay="indefinite"/>
+                      </p:stCondLst>
+                      <p:childTnLst>
+                        <p:par>
+                          <p:cTn id="4" fill="hold">
+                            <p:stCondLst>
+                              <p:cond delay="0"/>
+                            </p:stCondLst>
+                            <p:childTnLst>
+                              <p:par>
+                                <p:cTn id="5" presetID="1" presetClass="entr" presetSubtype="0" fill="hold" grpId="0" nodeType="clickEffect">
+                                  <p:stCondLst>
+                                    <p:cond delay="0"/>
+                                  </p:stCondLst>
+                                  <p:childTnLst>
+                                    <p:set>
+                                      <p:cBhvr>
+                                        <p:cTn id="6" dur="1" fill="hold">
+                                          <p:stCondLst>
+                                            <p:cond delay="0"/>
+                                          </p:stCondLst>
+                                        </p:cTn>
+                                        <p:tgtEl>
+                                          <p:spTgt spid="3"/>
+                                        </p:tgtEl>
+                                        <p:attrNameLst>
+                                          <p:attrName>style.visibility</p:attrName>
+                                        </p:attrNameLst>
+                                      </p:cBhvr>
+                                      <p:to>
+                                        <p:strVal val="visible"/>
+                                      </p:to>
+                                    </p:set>
+                                  </p:childTnLst>
+                                </p:cTn>
+                              </p:par>
+                            </p:childTnLst>
+                          </p:cTn>
+                        </p:par>
+                      </p:childTnLst>
+                    </p:cTn>
+                  </p:par>
+                </p:childTnLst>
+              </p:cTn>
+              <p:prevCondLst>
+                <p:cond evt="onPrev" delay="0">
+                  <p:tgtEl>
+                    <p:sldTgt/>
+                  </p:tgtEl>
+                </p:cond>
+              </p:prevCondLst>
+              <p:nextCondLst>
+                <p:cond evt="onNext" delay="0">
+                  <p:tgtEl>
+                    <p:sldTgt/>
+                  </p:tgtEl>
+                </p:cond>
+              </p:nextCondLst>
+            </p:seq>
+          </p:childTnLst>
+        </p:cTn>
+      </p:par>
+    </p:tnLst>
+    <p:bldLst>
+      <p:bldP spid="3" grpId="0"/>
+    </p:bldLst>
+  </p:timing>
+</p:sld>
+</file>
+
+<file path=ppt/slides/slide2.xml><?xml version="1.0" encoding="utf-8"?>
+<p:sld xmlns:a="http://schemas.openxmlformats.org/drawingml/2006/main" xmlns:r="http://schemas.openxmlformats.org/officeDocument/2006/relationships" xmlns:p="http://schemas.openxmlformats.org/presentationml/2006/main">
+  <p:cSld>
+    <p:spTree>
+      <p:nvGrpSpPr>
+        <p:cNvPr id="1" name=""/>
+        <p:cNvGrpSpPr/>
+        <p:nvPr/>
+      </p:nvGrpSpPr>
+      <p:grpSpPr>
+        <a:xfrm>
+          <a:off x="0" y="0"/>
+          <a:ext cx="0" cy="0"/>
+          <a:chOff x="0" y="0"/>
+          <a:chExt cx="0" cy="0"/>
+        </a:xfrm>
+      </p:grpSpPr>
+      <p:sp>
+        <p:nvSpPr>
+          <p:cNvPr id="2" name="Title 1"/>
+          <p:cNvSpPr>
+            <a:spLocks noGrp="1"/>
+          </p:cNvSpPr>
+          <p:nvPr>
+            <p:ph type="title"/>
+          </p:nvPr>
+        </p:nvSpPr>
+        <p:spPr/>
+        <p:txBody>
+          <a:bodyPr>
+            <a:normAutofit/>
+          </a:bodyPr>
+          <a:lstStyle/>
+          <a:p>
+            <a:r>
+              <a:rPr lang="zh-CN" altLang="en-US" sz="7200" dirty="0" smtClean="0"/>
+              <a:t>好消息 </a:t>
+            </a:r>
+            <a:r>
+              <a:rPr lang="en-US" altLang="zh-CN" sz="7200" dirty="0" smtClean="0"/>
+              <a:t>-</a:t>
+            </a:r>
+            <a:r>
+              <a:rPr lang="zh-CN" altLang="en-US" sz="7200" dirty="0" smtClean="0"/>
+              <a:t> 防焦虑</a:t>
+            </a:r>
+            <a:endParaRPr lang="en-US" sz="7200" dirty="0"/>
+          </a:p>
+        </p:txBody>
+      </p:sp>
+      <p:sp>
+        <p:nvSpPr>
+          <p:cNvPr id="3" name="Content Placeholder 2"/>
+          <p:cNvSpPr>
+            <a:spLocks noGrp="1"/>
+          </p:cNvSpPr>
+          <p:nvPr>
+            <p:ph idx="1"/>
+          </p:nvPr>
+        </p:nvSpPr>
+        <p:spPr/>
+        <p:txBody>
+          <a:bodyPr>
+            <a:normAutofit/>
+          </a:bodyPr>
+          <a:lstStyle/>
+          <a:p>
+            <a:r>
+              <a:rPr lang="en-US" altLang="zh-CN" sz="2800" dirty="0" smtClean="0"/>
+              <a:t>10</a:t>
+            </a:r>
+            <a:r>
+              <a:rPr lang="zh-CN" altLang="en-US" sz="2800" dirty="0" smtClean="0"/>
+              <a:t> 年级应该刚考完</a:t>
+            </a:r>
+            <a:r>
+              <a:rPr lang="en-US" altLang="zh-CN" sz="2800" dirty="0" smtClean="0"/>
+              <a:t> IGCSE</a:t>
+            </a:r>
+          </a:p>
+          <a:p>
+            <a:r>
+              <a:rPr lang="en-US" sz="2800" dirty="0" smtClean="0"/>
+              <a:t>Absolutely NO ONE looks at that grade</a:t>
+            </a:r>
+          </a:p>
+          <a:p>
+            <a:r>
+              <a:rPr lang="zh-CN" altLang="en-US" sz="2800" dirty="0" smtClean="0"/>
+              <a:t>九年级成绩两个</a:t>
+            </a:r>
+            <a:r>
+              <a:rPr lang="en-US" altLang="zh-CN" sz="2800" dirty="0" smtClean="0"/>
+              <a:t> C</a:t>
+            </a:r>
+            <a:r>
+              <a:rPr lang="zh-CN" altLang="en-US" sz="2800" dirty="0" smtClean="0"/>
+              <a:t>，历史期末考拿了创校以来最低成绩（</a:t>
+            </a:r>
+            <a:r>
+              <a:rPr lang="en-US" altLang="zh-CN" sz="2800" dirty="0" smtClean="0"/>
+              <a:t>E</a:t>
+            </a:r>
+            <a:r>
+              <a:rPr lang="zh-CN" altLang="en-US" sz="2800" dirty="0" smtClean="0"/>
+              <a:t>），成为了</a:t>
+            </a:r>
+            <a:r>
+              <a:rPr lang="zh-CN" altLang="en-US" sz="2800" dirty="0"/>
+              <a:t>创</a:t>
+            </a:r>
+            <a:r>
+              <a:rPr lang="zh-CN" altLang="en-US" sz="2800" dirty="0" smtClean="0"/>
+              <a:t>校</a:t>
+            </a:r>
+            <a:r>
+              <a:rPr lang="zh-CN" altLang="en-US" sz="2800" dirty="0"/>
+              <a:t>以来</a:t>
+            </a:r>
+            <a:r>
+              <a:rPr lang="zh-CN" altLang="en-US" sz="2800" dirty="0" smtClean="0"/>
+              <a:t>唯一一个上完了一年</a:t>
+            </a:r>
+            <a:r>
+              <a:rPr lang="en-US" altLang="zh-CN" sz="2800" dirty="0" smtClean="0"/>
+              <a:t> IG </a:t>
+            </a:r>
+            <a:r>
+              <a:rPr lang="zh-CN" altLang="en-US" sz="2800" dirty="0" smtClean="0"/>
+              <a:t>还被校长同意换科目的学生</a:t>
+            </a:r>
+            <a:endParaRPr lang="en-US" altLang="zh-CN" sz="2800" dirty="0" smtClean="0"/>
+          </a:p>
+          <a:p>
+            <a:r>
+              <a:rPr lang="en-US" sz="2800" dirty="0" smtClean="0"/>
+              <a:t>Got 2 </a:t>
+            </a:r>
+            <a:r>
+              <a:rPr lang="en-US" sz="2800" dirty="0" err="1" smtClean="0"/>
+              <a:t>Bs</a:t>
+            </a:r>
+            <a:r>
+              <a:rPr lang="en-US" sz="2800" dirty="0" smtClean="0"/>
+              <a:t> in IGCSE</a:t>
+            </a:r>
+            <a:r>
+              <a:rPr lang="zh-CN" altLang="en-US" sz="2800" dirty="0" smtClean="0"/>
+              <a:t> 大考（</a:t>
+            </a:r>
+            <a:r>
+              <a:rPr lang="en-US" altLang="zh-CN" sz="2800" dirty="0" smtClean="0"/>
+              <a:t>CS &amp; Business</a:t>
+            </a:r>
+            <a:r>
+              <a:rPr lang="zh-CN" altLang="en-US" sz="2800" dirty="0" smtClean="0"/>
+              <a:t>）</a:t>
+            </a:r>
+            <a:endParaRPr lang="en-US" sz="2800" dirty="0"/>
+          </a:p>
+        </p:txBody>
+      </p:sp>
+    </p:spTree>
+    <p:extLst>
+      <p:ext uri="{BB962C8B-B14F-4D97-AF65-F5344CB8AC3E}">
+        <p14:creationId xmlns:p14="http://schemas.microsoft.com/office/powerpoint/2010/main" val="450576928"/>
+      </p:ext>
+    </p:extLst>
+  </p:cSld>
+  <p:clrMapOvr>
+    <a:masterClrMapping/>
+  </p:clrMapOvr>
+  <p:timing>
+    <p:tnLst>
+      <p:par>
+        <p:cTn id="1" dur="indefinite" restart="never" nodeType="tmRoot">
+          <p:childTnLst>
+            <p:seq concurrent="1" nextAc="seek">
+              <p:cTn id="2" dur="indefinite" nodeType="mainSeq">
+                <p:childTnLst>
+                  <p:par>
+                    <p:cTn id="3" fill="hold">
+                      <p:stCondLst>
+                        <p:cond delay="indefinite"/>
+                      </p:stCondLst>
+                      <p:childTnLst>
+                        <p:par>
+                          <p:cTn id="4" fill="hold">
+                            <p:stCondLst>
+                              <p:cond delay="0"/>
+                            </p:stCondLst>
+                            <p:childTnLst>
+                              <p:par>
+                                <p:cTn id="5" presetID="1" presetClass="entr" presetSubtype="0" fill="hold" grpId="0" nodeType="clickEffect">
+                                  <p:stCondLst>
+                                    <p:cond delay="0"/>
+                                  </p:stCondLst>
+                                  <p:childTnLst>
+                                    <p:set>
+                                      <p:cBhvr>
+                                        <p:cTn id="6" dur="1" fill="hold">
+                                          <p:stCondLst>
+                                            <p:cond delay="0"/>
+                                          </p:stCondLst>
+                                        </p:cTn>
+                                        <p:tgtEl>
+                                          <p:spTgt spid="3"/>
+                                        </p:tgtEl>
+                                        <p:attrNameLst>
+                                          <p:attrName>style.visibility</p:attrName>
+                                        </p:attrNameLst>
+                                      </p:cBhvr>
+                                      <p:to>
+                                        <p:strVal val="visible"/>
+                                      </p:to>
+                                    </p:set>
+                                  </p:childTnLst>
+                                </p:cTn>
+                              </p:par>
+                            </p:childTnLst>
+                          </p:cTn>
+                        </p:par>
+                      </p:childTnLst>
+                    </p:cTn>
+                  </p:par>
+                </p:childTnLst>
+              </p:cTn>
+              <p:prevCondLst>
+                <p:cond evt="onPrev" delay="0">
+                  <p:tgtEl>
+                    <p:sldTgt/>
+                  </p:tgtEl>
+                </p:cond>
+              </p:prevCondLst>
+              <p:nextCondLst>
+                <p:cond evt="onNext" delay="0">
+                  <p:tgtEl>
+                    <p:sldTgt/>
+                  </p:tgtEl>
+                </p:cond>
+              </p:nextCondLst>
+            </p:seq>
+          </p:childTnLst>
+        </p:cTn>
+      </p:par>
+    </p:tnLst>
+    <p:bldLst>
+      <p:bldP spid="3" grpId="0"/>
+    </p:bldLst>
+  </p:timing>
+</p:sld>
+</file>
+
+<file path=ppt/slides/slide20.xml><?xml version="1.0" encoding="utf-8"?>
+<p:sld xmlns:a="http://schemas.openxmlformats.org/drawingml/2006/main" xmlns:r="http://schemas.openxmlformats.org/officeDocument/2006/relationships" xmlns:p="http://schemas.openxmlformats.org/presentationml/2006/main">
+  <p:cSld>
+    <p:spTree>
+      <p:nvGrpSpPr>
+        <p:cNvPr id="1" name=""/>
+        <p:cNvGrpSpPr/>
+        <p:nvPr/>
+      </p:nvGrpSpPr>
+      <p:grpSpPr>
+        <a:xfrm>
+          <a:off x="0" y="0"/>
+          <a:ext cx="0" cy="0"/>
+          <a:chOff x="0" y="0"/>
+          <a:chExt cx="0" cy="0"/>
+        </a:xfrm>
+      </p:grpSpPr>
+      <p:sp>
+        <p:nvSpPr>
+          <p:cNvPr id="2" name="Title 1"/>
+          <p:cNvSpPr>
+            <a:spLocks noGrp="1"/>
+          </p:cNvSpPr>
+          <p:nvPr>
+            <p:ph type="title"/>
+          </p:nvPr>
+        </p:nvSpPr>
+        <p:spPr/>
+        <p:txBody>
+          <a:bodyPr>
+            <a:normAutofit/>
+          </a:bodyPr>
+          <a:lstStyle/>
+          <a:p>
+            <a:r>
+              <a:rPr lang="en-US" altLang="zh-CN" sz="6400" dirty="0" smtClean="0"/>
+              <a:t>10 -&gt; 11 </a:t>
+            </a:r>
+            <a:r>
+              <a:rPr lang="zh-CN" altLang="en-US" sz="6400" dirty="0" smtClean="0"/>
+              <a:t>暑假建议</a:t>
+            </a:r>
+            <a:endParaRPr lang="en-US" sz="6400" dirty="0"/>
+          </a:p>
+        </p:txBody>
+      </p:sp>
+      <p:sp>
+        <p:nvSpPr>
+          <p:cNvPr id="3" name="Content Placeholder 2"/>
+          <p:cNvSpPr>
+            <a:spLocks noGrp="1"/>
+          </p:cNvSpPr>
+          <p:nvPr>
+            <p:ph idx="1"/>
+          </p:nvPr>
+        </p:nvSpPr>
+        <p:spPr/>
+        <p:txBody>
+          <a:bodyPr>
+            <a:normAutofit/>
+          </a:bodyPr>
+          <a:lstStyle/>
+          <a:p>
+            <a:r>
+              <a:rPr lang="en-US" sz="3200" dirty="0" err="1" smtClean="0"/>
+              <a:t>LaTeX</a:t>
+            </a:r>
+            <a:endParaRPr lang="en-US" sz="3200" dirty="0" smtClean="0"/>
+          </a:p>
+          <a:p>
+            <a:r>
+              <a:rPr lang="en-US" sz="3200" dirty="0" err="1" smtClean="0"/>
+              <a:t>manim</a:t>
+            </a:r>
+            <a:r>
+              <a:rPr lang="en-US" sz="3200" dirty="0" smtClean="0"/>
+              <a:t> (Community Edition)</a:t>
+            </a:r>
+          </a:p>
+          <a:p>
+            <a:r>
+              <a:rPr lang="en-US" sz="3200" dirty="0" smtClean="0"/>
+              <a:t>Play Minecraft (FTB tech-themed </a:t>
+            </a:r>
+            <a:r>
+              <a:rPr lang="en-US" sz="3200" dirty="0" err="1" smtClean="0"/>
+              <a:t>modpacks</a:t>
+            </a:r>
+            <a:r>
+              <a:rPr lang="en-US" sz="3200" dirty="0" smtClean="0"/>
+              <a:t>)</a:t>
+            </a:r>
+          </a:p>
+        </p:txBody>
+      </p:sp>
+    </p:spTree>
+    <p:extLst>
+      <p:ext uri="{BB962C8B-B14F-4D97-AF65-F5344CB8AC3E}">
+        <p14:creationId xmlns:p14="http://schemas.microsoft.com/office/powerpoint/2010/main" val="1489719602"/>
+      </p:ext>
+    </p:extLst>
+  </p:cSld>
+  <p:clrMapOvr>
+    <a:masterClrMapping/>
+  </p:clrMapOvr>
+  <p:timing>
+    <p:tnLst>
+      <p:par>
+        <p:cTn id="1" dur="indefinite" restart="never" nodeType="tmRoot">
+          <p:childTnLst>
+            <p:seq concurrent="1" nextAc="seek">
+              <p:cTn id="2" dur="indefinite" nodeType="mainSeq">
+                <p:childTnLst>
+                  <p:par>
+                    <p:cTn id="3" fill="hold">
+                      <p:stCondLst>
+                        <p:cond delay="indefinite"/>
+                      </p:stCondLst>
+                      <p:childTnLst>
+                        <p:par>
+                          <p:cTn id="4" fill="hold">
+                            <p:stCondLst>
+                              <p:cond delay="0"/>
+                            </p:stCondLst>
+                            <p:childTnLst>
+                              <p:par>
+                                <p:cTn id="5" presetID="1" presetClass="entr" presetSubtype="0" fill="hold" grpId="0" nodeType="clickEffect">
+                                  <p:stCondLst>
+                                    <p:cond delay="0"/>
+                                  </p:stCondLst>
+                                  <p:childTnLst>
+                                    <p:set>
+                                      <p:cBhvr>
+                                        <p:cTn id="6" dur="1" fill="hold">
+                                          <p:stCondLst>
+                                            <p:cond delay="0"/>
+                                          </p:stCondLst>
+                                        </p:cTn>
+                                        <p:tgtEl>
+                                          <p:spTgt spid="3"/>
+                                        </p:tgtEl>
+                                        <p:attrNameLst>
+                                          <p:attrName>style.visibility</p:attrName>
+                                        </p:attrNameLst>
+                                      </p:cBhvr>
+                                      <p:to>
+                                        <p:strVal val="visible"/>
+                                      </p:to>
+                                    </p:set>
+                                  </p:childTnLst>
+                                </p:cTn>
+                              </p:par>
+                            </p:childTnLst>
+                          </p:cTn>
+                        </p:par>
+                      </p:childTnLst>
+                    </p:cTn>
+                  </p:par>
+                </p:childTnLst>
+              </p:cTn>
+              <p:prevCondLst>
+                <p:cond evt="onPrev" delay="0">
+                  <p:tgtEl>
+                    <p:sldTgt/>
+                  </p:tgtEl>
+                </p:cond>
+              </p:prevCondLst>
+              <p:nextCondLst>
+                <p:cond evt="onNext" delay="0">
+                  <p:tgtEl>
+                    <p:sldTgt/>
+                  </p:tgtEl>
+                </p:cond>
+              </p:nextCondLst>
+            </p:seq>
+          </p:childTnLst>
+        </p:cTn>
+      </p:par>
+    </p:tnLst>
+    <p:bldLst>
+      <p:bldP spid="3" grpId="0"/>
+    </p:bldLst>
+  </p:timing>
+</p:sld>
+</file>
+
+<file path=ppt/slides/slide21.xml><?xml version="1.0" encoding="utf-8"?>
+<p:sld xmlns:a="http://schemas.openxmlformats.org/drawingml/2006/main" xmlns:r="http://schemas.openxmlformats.org/officeDocument/2006/relationships" xmlns:p="http://schemas.openxmlformats.org/presentationml/2006/main">
+  <p:cSld>
+    <p:spTree>
+      <p:nvGrpSpPr>
+        <p:cNvPr id="1" name=""/>
+        <p:cNvGrpSpPr/>
+        <p:nvPr/>
+      </p:nvGrpSpPr>
+      <p:grpSpPr>
+        <a:xfrm>
+          <a:off x="0" y="0"/>
+          <a:ext cx="0" cy="0"/>
+          <a:chOff x="0" y="0"/>
+          <a:chExt cx="0" cy="0"/>
+        </a:xfrm>
+      </p:grpSpPr>
+      <p:sp>
+        <p:nvSpPr>
+          <p:cNvPr id="2" name="Title 1"/>
+          <p:cNvSpPr>
+            <a:spLocks noGrp="1"/>
+          </p:cNvSpPr>
+          <p:nvPr>
+            <p:ph type="title"/>
+          </p:nvPr>
+        </p:nvSpPr>
+        <p:spPr/>
+        <p:txBody>
+          <a:bodyPr>
+            <a:normAutofit/>
+          </a:bodyPr>
+          <a:lstStyle/>
+          <a:p>
+            <a:r>
+              <a:rPr lang="zh-CN" altLang="en-US" sz="6400" dirty="0" smtClean="0"/>
+              <a:t>书（</a:t>
+            </a:r>
+            <a:r>
+              <a:rPr lang="en-US" altLang="zh-CN" sz="6400" dirty="0" smtClean="0"/>
+              <a:t>Math</a:t>
+            </a:r>
+            <a:r>
+              <a:rPr lang="zh-CN" altLang="en-US" sz="6400" dirty="0" smtClean="0"/>
+              <a:t>）</a:t>
+            </a:r>
+            <a:endParaRPr lang="en-US" sz="6400" dirty="0"/>
+          </a:p>
+        </p:txBody>
+      </p:sp>
+      <p:sp>
+        <p:nvSpPr>
+          <p:cNvPr id="3" name="Content Placeholder 2"/>
+          <p:cNvSpPr>
+            <a:spLocks noGrp="1"/>
+          </p:cNvSpPr>
+          <p:nvPr>
+            <p:ph idx="1"/>
+          </p:nvPr>
+        </p:nvSpPr>
+        <p:spPr/>
+        <p:txBody>
+          <a:bodyPr>
+            <a:normAutofit/>
+          </a:bodyPr>
+          <a:lstStyle/>
+          <a:p>
+            <a:r>
+              <a:rPr lang="en-US" sz="3200" dirty="0" smtClean="0"/>
+              <a:t>Seven Sketches in Composability</a:t>
+            </a:r>
+          </a:p>
+          <a:p>
+            <a:r>
+              <a:rPr lang="en-US" sz="3200" dirty="0" smtClean="0"/>
+              <a:t>Convex Optimization (Boyd)</a:t>
+            </a:r>
+          </a:p>
+          <a:p>
+            <a:r>
+              <a:rPr lang="en-US" sz="3200" dirty="0" smtClean="0"/>
+              <a:t>Linear Algebra Done Right</a:t>
+            </a:r>
+          </a:p>
+          <a:p>
+            <a:r>
+              <a:rPr lang="en-US" sz="3200" dirty="0" smtClean="0"/>
+              <a:t>An Introduction to Mathematical Cryptography</a:t>
+            </a:r>
+          </a:p>
+          <a:p>
+            <a:endParaRPr lang="en-US" sz="3200" dirty="0" smtClean="0"/>
+          </a:p>
+        </p:txBody>
+      </p:sp>
+    </p:spTree>
+    <p:extLst>
+      <p:ext uri="{BB962C8B-B14F-4D97-AF65-F5344CB8AC3E}">
+        <p14:creationId xmlns:p14="http://schemas.microsoft.com/office/powerpoint/2010/main" val="427159524"/>
+      </p:ext>
+    </p:extLst>
+  </p:cSld>
+  <p:clrMapOvr>
+    <a:masterClrMapping/>
+  </p:clrMapOvr>
+  <p:timing>
+    <p:tnLst>
+      <p:par>
+        <p:cTn id="1" dur="indefinite" restart="never" nodeType="tmRoot">
+          <p:childTnLst>
+            <p:seq concurrent="1" nextAc="seek">
+              <p:cTn id="2" dur="indefinite" nodeType="mainSeq">
+                <p:childTnLst>
+                  <p:par>
+                    <p:cTn id="3" fill="hold">
+                      <p:stCondLst>
+                        <p:cond delay="indefinite"/>
+                      </p:stCondLst>
+                      <p:childTnLst>
+                        <p:par>
+                          <p:cTn id="4" fill="hold">
+                            <p:stCondLst>
+                              <p:cond delay="0"/>
+                            </p:stCondLst>
+                            <p:childTnLst>
+                              <p:par>
+                                <p:cTn id="5" presetID="1" presetClass="entr" presetSubtype="0" fill="hold" grpId="0" nodeType="clickEffect">
+                                  <p:stCondLst>
+                                    <p:cond delay="0"/>
+                                  </p:stCondLst>
+                                  <p:childTnLst>
+                                    <p:set>
+                                      <p:cBhvr>
+                                        <p:cTn id="6" dur="1" fill="hold">
+                                          <p:stCondLst>
+                                            <p:cond delay="0"/>
+                                          </p:stCondLst>
+                                        </p:cTn>
+                                        <p:tgtEl>
+                                          <p:spTgt spid="3"/>
+                                        </p:tgtEl>
+                                        <p:attrNameLst>
+                                          <p:attrName>style.visibility</p:attrName>
+                                        </p:attrNameLst>
+                                      </p:cBhvr>
+                                      <p:to>
+                                        <p:strVal val="visible"/>
+                                      </p:to>
+                                    </p:set>
+                                  </p:childTnLst>
+                                </p:cTn>
+                              </p:par>
+                            </p:childTnLst>
+                          </p:cTn>
+                        </p:par>
+                      </p:childTnLst>
+                    </p:cTn>
+                  </p:par>
+                </p:childTnLst>
+              </p:cTn>
+              <p:prevCondLst>
+                <p:cond evt="onPrev" delay="0">
+                  <p:tgtEl>
+                    <p:sldTgt/>
+                  </p:tgtEl>
+                </p:cond>
+              </p:prevCondLst>
+              <p:nextCondLst>
+                <p:cond evt="onNext" delay="0">
+                  <p:tgtEl>
+                    <p:sldTgt/>
+                  </p:tgtEl>
+                </p:cond>
+              </p:nextCondLst>
+            </p:seq>
+          </p:childTnLst>
+        </p:cTn>
+      </p:par>
+    </p:tnLst>
+    <p:bldLst>
+      <p:bldP spid="3" grpId="0"/>
+    </p:bldLst>
+  </p:timing>
+</p:sld>
+</file>
+
+<file path=ppt/slides/slide22.xml><?xml version="1.0" encoding="utf-8"?>
+<p:sld xmlns:a="http://schemas.openxmlformats.org/drawingml/2006/main" xmlns:r="http://schemas.openxmlformats.org/officeDocument/2006/relationships" xmlns:p="http://schemas.openxmlformats.org/presentationml/2006/main">
+  <p:cSld>
+    <p:spTree>
+      <p:nvGrpSpPr>
+        <p:cNvPr id="1" name=""/>
+        <p:cNvGrpSpPr/>
+        <p:nvPr/>
+      </p:nvGrpSpPr>
+      <p:grpSpPr>
+        <a:xfrm>
+          <a:off x="0" y="0"/>
+          <a:ext cx="0" cy="0"/>
+          <a:chOff x="0" y="0"/>
+          <a:chExt cx="0" cy="0"/>
+        </a:xfrm>
+      </p:grpSpPr>
+      <p:sp>
+        <p:nvSpPr>
+          <p:cNvPr id="2" name="Title 1"/>
+          <p:cNvSpPr>
+            <a:spLocks noGrp="1"/>
+          </p:cNvSpPr>
+          <p:nvPr>
+            <p:ph type="title"/>
+          </p:nvPr>
+        </p:nvSpPr>
+        <p:spPr/>
+        <p:txBody>
+          <a:bodyPr>
+            <a:normAutofit/>
+          </a:bodyPr>
+          <a:lstStyle/>
+          <a:p>
+            <a:r>
+              <a:rPr lang="zh-CN" altLang="en-US" sz="6400" dirty="0" smtClean="0"/>
+              <a:t>书（</a:t>
+            </a:r>
+            <a:r>
+              <a:rPr lang="en-US" altLang="zh-CN" sz="6400" dirty="0" smtClean="0"/>
+              <a:t>PLT</a:t>
+            </a:r>
+            <a:r>
+              <a:rPr lang="zh-CN" altLang="en-US" sz="6400" dirty="0" smtClean="0"/>
+              <a:t>）</a:t>
+            </a:r>
+            <a:endParaRPr lang="en-US" sz="6400" dirty="0"/>
+          </a:p>
+        </p:txBody>
+      </p:sp>
+      <p:sp>
+        <p:nvSpPr>
+          <p:cNvPr id="3" name="Content Placeholder 2"/>
+          <p:cNvSpPr>
+            <a:spLocks noGrp="1"/>
+          </p:cNvSpPr>
+          <p:nvPr>
+            <p:ph idx="1"/>
+          </p:nvPr>
+        </p:nvSpPr>
+        <p:spPr/>
+        <p:txBody>
+          <a:bodyPr>
+            <a:normAutofit/>
+          </a:bodyPr>
+          <a:lstStyle/>
+          <a:p>
+            <a:r>
+              <a:rPr lang="en-US" sz="3200" dirty="0" smtClean="0"/>
+              <a:t>Thinking with Types</a:t>
+            </a:r>
+          </a:p>
+          <a:p>
+            <a:r>
+              <a:rPr lang="en-US" sz="3200" dirty="0" smtClean="0"/>
+              <a:t>Learn/Write You a Haskell</a:t>
+            </a:r>
+          </a:p>
+          <a:p>
+            <a:r>
+              <a:rPr lang="en-US" sz="3200" dirty="0" smtClean="0"/>
+              <a:t>The collected works of Per Martin-</a:t>
+            </a:r>
+            <a:r>
+              <a:rPr lang="en-US" sz="3200" dirty="0" err="1" smtClean="0"/>
+              <a:t>Löf</a:t>
+            </a:r>
+            <a:endParaRPr lang="en-US" sz="3200" dirty="0" smtClean="0"/>
+          </a:p>
+          <a:p>
+            <a:r>
+              <a:rPr lang="en-US" sz="3200" dirty="0" smtClean="0"/>
+              <a:t>The Little </a:t>
+            </a:r>
+            <a:r>
+              <a:rPr lang="en-US" sz="3200" dirty="0" err="1" smtClean="0"/>
+              <a:t>Typer</a:t>
+            </a:r>
+            <a:r>
+              <a:rPr lang="en-US" sz="3200" dirty="0" smtClean="0"/>
+              <a:t> (must read!)</a:t>
+            </a:r>
+          </a:p>
+        </p:txBody>
+      </p:sp>
+    </p:spTree>
+    <p:extLst>
+      <p:ext uri="{BB962C8B-B14F-4D97-AF65-F5344CB8AC3E}">
+        <p14:creationId xmlns:p14="http://schemas.microsoft.com/office/powerpoint/2010/main" val="509902325"/>
+      </p:ext>
+    </p:extLst>
+  </p:cSld>
+  <p:clrMapOvr>
+    <a:masterClrMapping/>
+  </p:clrMapOvr>
+  <p:timing>
+    <p:tnLst>
+      <p:par>
+        <p:cTn id="1" dur="indefinite" restart="never" nodeType="tmRoot">
+          <p:childTnLst>
+            <p:seq concurrent="1" nextAc="seek">
+              <p:cTn id="2" dur="indefinite" nodeType="mainSeq">
+                <p:childTnLst>
+                  <p:par>
+                    <p:cTn id="3" fill="hold">
+                      <p:stCondLst>
+                        <p:cond delay="indefinite"/>
+                      </p:stCondLst>
+                      <p:childTnLst>
+                        <p:par>
+                          <p:cTn id="4" fill="hold">
+                            <p:stCondLst>
+                              <p:cond delay="0"/>
+                            </p:stCondLst>
+                            <p:childTnLst>
+                              <p:par>
+                                <p:cTn id="5" presetID="1" presetClass="entr" presetSubtype="0" fill="hold" grpId="0" nodeType="clickEffect">
+                                  <p:stCondLst>
+                                    <p:cond delay="0"/>
+                                  </p:stCondLst>
+                                  <p:childTnLst>
+                                    <p:set>
+                                      <p:cBhvr>
+                                        <p:cTn id="6" dur="1" fill="hold">
+                                          <p:stCondLst>
+                                            <p:cond delay="0"/>
+                                          </p:stCondLst>
+                                        </p:cTn>
+                                        <p:tgtEl>
+                                          <p:spTgt spid="3"/>
+                                        </p:tgtEl>
+                                        <p:attrNameLst>
+                                          <p:attrName>style.visibility</p:attrName>
+                                        </p:attrNameLst>
+                                      </p:cBhvr>
+                                      <p:to>
+                                        <p:strVal val="visible"/>
+                                      </p:to>
+                                    </p:set>
+                                  </p:childTnLst>
+                                </p:cTn>
+                              </p:par>
+                            </p:childTnLst>
+                          </p:cTn>
+                        </p:par>
+                      </p:childTnLst>
+                    </p:cTn>
+                  </p:par>
+                </p:childTnLst>
+              </p:cTn>
+              <p:prevCondLst>
+                <p:cond evt="onPrev" delay="0">
+                  <p:tgtEl>
+                    <p:sldTgt/>
+                  </p:tgtEl>
+                </p:cond>
+              </p:prevCondLst>
+              <p:nextCondLst>
+                <p:cond evt="onNext" delay="0">
+                  <p:tgtEl>
+                    <p:sldTgt/>
+                  </p:tgtEl>
+                </p:cond>
+              </p:nextCondLst>
+            </p:seq>
+          </p:childTnLst>
+        </p:cTn>
+      </p:par>
+    </p:tnLst>
+    <p:bldLst>
+      <p:bldP spid="3" grpId="0"/>
+    </p:bldLst>
+  </p:timing>
+</p:sld>
+</file>
+
+<file path=ppt/slides/slide23.xml><?xml version="1.0" encoding="utf-8"?>
+<p:sld xmlns:a="http://schemas.openxmlformats.org/drawingml/2006/main" xmlns:r="http://schemas.openxmlformats.org/officeDocument/2006/relationships" xmlns:p="http://schemas.openxmlformats.org/presentationml/2006/main">
+  <p:cSld>
+    <p:spTree>
+      <p:nvGrpSpPr>
+        <p:cNvPr id="1" name=""/>
+        <p:cNvGrpSpPr/>
+        <p:nvPr/>
+      </p:nvGrpSpPr>
+      <p:grpSpPr>
+        <a:xfrm>
+          <a:off x="0" y="0"/>
+          <a:ext cx="0" cy="0"/>
+          <a:chOff x="0" y="0"/>
+          <a:chExt cx="0" cy="0"/>
+        </a:xfrm>
+      </p:grpSpPr>
+      <p:sp>
+        <p:nvSpPr>
+          <p:cNvPr id="2" name="Title 1"/>
+          <p:cNvSpPr>
+            <a:spLocks noGrp="1"/>
+          </p:cNvSpPr>
+          <p:nvPr>
+            <p:ph type="title"/>
+          </p:nvPr>
+        </p:nvSpPr>
+        <p:spPr/>
+        <p:txBody>
+          <a:bodyPr>
+            <a:normAutofit/>
+          </a:bodyPr>
+          <a:lstStyle/>
+          <a:p>
+            <a:r>
+              <a:rPr lang="zh-CN" altLang="en-US" sz="6400" dirty="0" smtClean="0"/>
+              <a:t>书（</a:t>
+            </a:r>
+            <a:r>
+              <a:rPr lang="en-US" altLang="zh-CN" sz="6400" dirty="0" smtClean="0"/>
+              <a:t>CS</a:t>
+            </a:r>
+            <a:r>
+              <a:rPr lang="zh-CN" altLang="en-US" sz="6400" dirty="0" smtClean="0"/>
+              <a:t>）</a:t>
+            </a:r>
+            <a:endParaRPr lang="en-US" sz="6400" dirty="0"/>
+          </a:p>
+        </p:txBody>
+      </p:sp>
+      <p:sp>
+        <p:nvSpPr>
+          <p:cNvPr id="3" name="Content Placeholder 2"/>
+          <p:cNvSpPr>
+            <a:spLocks noGrp="1"/>
+          </p:cNvSpPr>
+          <p:nvPr>
+            <p:ph idx="1"/>
+          </p:nvPr>
+        </p:nvSpPr>
+        <p:spPr/>
+        <p:txBody>
+          <a:bodyPr>
+            <a:normAutofit lnSpcReduction="10000"/>
+          </a:bodyPr>
+          <a:lstStyle/>
+          <a:p>
+            <a:r>
+              <a:rPr lang="en-US" sz="3200" dirty="0" smtClean="0"/>
+              <a:t>Computer System: A Programmer’s Perspective</a:t>
+            </a:r>
+          </a:p>
+          <a:p>
+            <a:r>
+              <a:rPr lang="en-US" sz="3200" dirty="0"/>
+              <a:t>Compilers: Principles, Techniques, and Tools</a:t>
+            </a:r>
+          </a:p>
+          <a:p>
+            <a:r>
+              <a:rPr lang="en-US" sz="3200" dirty="0" smtClean="0"/>
+              <a:t>Introduction to Static Analysis</a:t>
+            </a:r>
+          </a:p>
+          <a:p>
+            <a:r>
+              <a:rPr lang="en-US" sz="3200" dirty="0" smtClean="0"/>
+              <a:t>Competitive Programmer’s Handbook</a:t>
+            </a:r>
+          </a:p>
+          <a:p>
+            <a:r>
+              <a:rPr lang="en-US" sz="3200" dirty="0" smtClean="0"/>
+              <a:t>GPU Gems</a:t>
+            </a:r>
+          </a:p>
+          <a:p>
+            <a:r>
+              <a:rPr lang="en-US" sz="3200" dirty="0" smtClean="0"/>
+              <a:t>Game Engine Gems</a:t>
+            </a:r>
+          </a:p>
+          <a:p>
+            <a:endParaRPr lang="en-US" sz="3200" dirty="0" smtClean="0"/>
+          </a:p>
+        </p:txBody>
+      </p:sp>
+    </p:spTree>
+    <p:extLst>
+      <p:ext uri="{BB962C8B-B14F-4D97-AF65-F5344CB8AC3E}">
+        <p14:creationId xmlns:p14="http://schemas.microsoft.com/office/powerpoint/2010/main" val="1385234404"/>
+      </p:ext>
+    </p:extLst>
+  </p:cSld>
+  <p:clrMapOvr>
+    <a:masterClrMapping/>
+  </p:clrMapOvr>
+  <p:timing>
+    <p:tnLst>
+      <p:par>
+        <p:cTn id="1" dur="indefinite" restart="never" nodeType="tmRoot">
+          <p:childTnLst>
+            <p:seq concurrent="1" nextAc="seek">
+              <p:cTn id="2" dur="indefinite" nodeType="mainSeq">
+                <p:childTnLst>
+                  <p:par>
+                    <p:cTn id="3" fill="hold">
+                      <p:stCondLst>
+                        <p:cond delay="indefinite"/>
+                      </p:stCondLst>
+                      <p:childTnLst>
+                        <p:par>
+                          <p:cTn id="4" fill="hold">
+                            <p:stCondLst>
+                              <p:cond delay="0"/>
+                            </p:stCondLst>
+                            <p:childTnLst>
+                              <p:par>
+                                <p:cTn id="5" presetID="1" presetClass="entr" presetSubtype="0" fill="hold" grpId="0" nodeType="clickEffect">
+                                  <p:stCondLst>
+                                    <p:cond delay="0"/>
+                                  </p:stCondLst>
+                                  <p:childTnLst>
+                                    <p:set>
+                                      <p:cBhvr>
+                                        <p:cTn id="6" dur="1" fill="hold">
+                                          <p:stCondLst>
+                                            <p:cond delay="0"/>
+                                          </p:stCondLst>
+                                        </p:cTn>
+                                        <p:tgtEl>
+                                          <p:spTgt spid="3"/>
+                                        </p:tgtEl>
+                                        <p:attrNameLst>
+                                          <p:attrName>style.visibility</p:attrName>
+                                        </p:attrNameLst>
+                                      </p:cBhvr>
+                                      <p:to>
+                                        <p:strVal val="visible"/>
+                                      </p:to>
+                                    </p:set>
+                                  </p:childTnLst>
+                                </p:cTn>
+                              </p:par>
+                            </p:childTnLst>
+                          </p:cTn>
+                        </p:par>
+                      </p:childTnLst>
+                    </p:cTn>
+                  </p:par>
+                </p:childTnLst>
+              </p:cTn>
+              <p:prevCondLst>
+                <p:cond evt="onPrev" delay="0">
+                  <p:tgtEl>
+                    <p:sldTgt/>
+                  </p:tgtEl>
+                </p:cond>
+              </p:prevCondLst>
+              <p:nextCondLst>
+                <p:cond evt="onNext" delay="0">
+                  <p:tgtEl>
+                    <p:sldTgt/>
+                  </p:tgtEl>
+                </p:cond>
+              </p:nextCondLst>
+            </p:seq>
+          </p:childTnLst>
+        </p:cTn>
+      </p:par>
+    </p:tnLst>
+    <p:bldLst>
+      <p:bldP spid="3" grpId="0"/>
+    </p:bldLst>
+  </p:timing>
+</p:sld>
+</file>
+
+<file path=ppt/slides/slide24.xml><?xml version="1.0" encoding="utf-8"?>
+<p:sld xmlns:a="http://schemas.openxmlformats.org/drawingml/2006/main" xmlns:r="http://schemas.openxmlformats.org/officeDocument/2006/relationships" xmlns:p="http://schemas.openxmlformats.org/presentationml/2006/main">
+  <p:cSld>
+    <p:spTree>
+      <p:nvGrpSpPr>
+        <p:cNvPr id="1" name=""/>
+        <p:cNvGrpSpPr/>
+        <p:nvPr/>
+      </p:nvGrpSpPr>
+      <p:grpSpPr>
+        <a:xfrm>
+          <a:off x="0" y="0"/>
+          <a:ext cx="0" cy="0"/>
+          <a:chOff x="0" y="0"/>
+          <a:chExt cx="0" cy="0"/>
+        </a:xfrm>
+      </p:grpSpPr>
+      <p:sp>
+        <p:nvSpPr>
+          <p:cNvPr id="2" name="Title 1"/>
+          <p:cNvSpPr>
+            <a:spLocks noGrp="1"/>
+          </p:cNvSpPr>
+          <p:nvPr>
+            <p:ph type="title"/>
+          </p:nvPr>
+        </p:nvSpPr>
+        <p:spPr>
+          <a:xfrm>
+            <a:off x="1416756" y="3000023"/>
+            <a:ext cx="9601200" cy="1485900"/>
+          </a:xfrm>
+        </p:spPr>
+        <p:txBody>
+          <a:bodyPr>
+            <a:normAutofit/>
+          </a:bodyPr>
+          <a:lstStyle/>
+          <a:p>
+            <a:pPr algn="ctr"/>
+            <a:r>
+              <a:rPr lang="en-US" altLang="zh-CN" sz="7200" smtClean="0"/>
+              <a:t>Be Resourceful!</a:t>
+            </a:r>
+            <a:endParaRPr lang="en-US" sz="7200" dirty="0"/>
+          </a:p>
+        </p:txBody>
+      </p:sp>
+    </p:spTree>
+    <p:extLst>
+      <p:ext uri="{BB962C8B-B14F-4D97-AF65-F5344CB8AC3E}">
+        <p14:creationId xmlns:p14="http://schemas.microsoft.com/office/powerpoint/2010/main" val="533309685"/>
+      </p:ext>
+    </p:extLst>
+  </p:cSld>
+  <p:clrMapOvr>
+    <a:masterClrMapping/>
+  </p:clrMapOvr>
+  <p:timing>
+    <p:tnLst>
+      <p:par>
+        <p:cTn id="1" dur="indefinite" restart="never" nodeType="tmRoot"/>
+      </p:par>
+    </p:tnLst>
+  </p:timing>
+</p:sld>
+</file>
+
+<file path=ppt/slides/slide25.xml><?xml version="1.0" encoding="utf-8"?>
+<p:sld xmlns:a="http://schemas.openxmlformats.org/drawingml/2006/main" xmlns:r="http://schemas.openxmlformats.org/officeDocument/2006/relationships" xmlns:p="http://schemas.openxmlformats.org/presentationml/2006/main">
+  <p:cSld>
+    <p:spTree>
+      <p:nvGrpSpPr>
+        <p:cNvPr id="1" name=""/>
+        <p:cNvGrpSpPr/>
+        <p:nvPr/>
+      </p:nvGrpSpPr>
+      <p:grpSpPr>
+        <a:xfrm>
+          <a:off x="0" y="0"/>
+          <a:ext cx="0" cy="0"/>
+          <a:chOff x="0" y="0"/>
+          <a:chExt cx="0" cy="0"/>
+        </a:xfrm>
+      </p:grpSpPr>
+      <p:pic>
+        <p:nvPicPr>
+          <p:cNvPr id="2" name="Picture 1"/>
+          <p:cNvPicPr>
+            <a:picLocks noChangeAspect="1"/>
+          </p:cNvPicPr>
+          <p:nvPr/>
+        </p:nvPicPr>
+        <p:blipFill>
+          <a:blip r:embed="rId2">
+            <a:extLst>
+              <a:ext uri="{28A0092B-C50C-407E-A947-70E740481C1C}">
+                <a14:useLocalDpi xmlns:a14="http://schemas.microsoft.com/office/drawing/2010/main" val="0"/>
+              </a:ext>
+            </a:extLst>
+          </a:blip>
+          <a:stretch>
+            <a:fillRect/>
+          </a:stretch>
+        </p:blipFill>
+        <p:spPr>
+          <a:xfrm>
+            <a:off x="1955800" y="0"/>
+            <a:ext cx="8267700" cy="6858000"/>
+          </a:xfrm>
+          <a:prstGeom prst="rect">
+            <a:avLst/>
+          </a:prstGeom>
+        </p:spPr>
+      </p:pic>
+    </p:spTree>
+    <p:extLst>
+      <p:ext uri="{BB962C8B-B14F-4D97-AF65-F5344CB8AC3E}">
+        <p14:creationId xmlns:p14="http://schemas.microsoft.com/office/powerpoint/2010/main" val="876230526"/>
+      </p:ext>
+    </p:extLst>
+  </p:cSld>
+  <p:clrMapOvr>
+    <a:masterClrMapping/>
+  </p:clrMapOvr>
+  <p:timing>
+    <p:tnLst>
+      <p:par>
+        <p:cTn id="1" dur="indefinite" restart="never" nodeType="tmRoot"/>
+      </p:par>
+    </p:tnLst>
+  </p:timing>
+</p:sld>
+</file>
+
+<file path=ppt/slides/slide3.xml><?xml version="1.0" encoding="utf-8"?>
+<p:sld xmlns:a="http://schemas.openxmlformats.org/drawingml/2006/main" xmlns:r="http://schemas.openxmlformats.org/officeDocument/2006/relationships" xmlns:p="http://schemas.openxmlformats.org/presentationml/2006/main">
+  <p:cSld>
+    <p:spTree>
+      <p:nvGrpSpPr>
+        <p:cNvPr id="1" name=""/>
+        <p:cNvGrpSpPr/>
+        <p:nvPr/>
+      </p:nvGrpSpPr>
+      <p:grpSpPr>
+        <a:xfrm>
+          <a:off x="0" y="0"/>
+          <a:ext cx="0" cy="0"/>
+          <a:chOff x="0" y="0"/>
+          <a:chExt cx="0" cy="0"/>
+        </a:xfrm>
+      </p:grpSpPr>
+      <p:sp>
+        <p:nvSpPr>
+          <p:cNvPr id="2" name="Title 1"/>
+          <p:cNvSpPr>
+            <a:spLocks noGrp="1"/>
+          </p:cNvSpPr>
+          <p:nvPr>
+            <p:ph type="title"/>
+          </p:nvPr>
+        </p:nvSpPr>
+        <p:spPr/>
+        <p:txBody>
+          <a:bodyPr>
+            <a:normAutofit/>
+          </a:bodyPr>
+          <a:lstStyle/>
+          <a:p>
+            <a:r>
+              <a:rPr lang="zh-CN" altLang="en-US" sz="6400" dirty="0" smtClean="0"/>
+              <a:t>目录</a:t>
+            </a:r>
+            <a:endParaRPr lang="en-US" sz="6400" dirty="0"/>
+          </a:p>
+        </p:txBody>
+      </p:sp>
+      <p:sp>
+        <p:nvSpPr>
+          <p:cNvPr id="3" name="Content Placeholder 2"/>
+          <p:cNvSpPr>
+            <a:spLocks noGrp="1"/>
+          </p:cNvSpPr>
+          <p:nvPr>
+            <p:ph idx="1"/>
+          </p:nvPr>
+        </p:nvSpPr>
+        <p:spPr/>
+        <p:txBody>
+          <a:bodyPr>
+            <a:normAutofit/>
+          </a:bodyPr>
+          <a:lstStyle/>
+          <a:p>
+            <a:r>
+              <a:rPr lang="zh-CN" altLang="en-US" sz="3200" dirty="0" smtClean="0"/>
+              <a:t>简介</a:t>
+            </a:r>
+            <a:endParaRPr lang="en-US" altLang="zh-CN" sz="3200" dirty="0" smtClean="0"/>
+          </a:p>
+          <a:p>
+            <a:r>
+              <a:rPr lang="zh-CN" altLang="en-US" sz="3200" dirty="0" smtClean="0"/>
+              <a:t>兴趣 </a:t>
+            </a:r>
+            <a:r>
+              <a:rPr lang="en-US" altLang="zh-CN" sz="3200" dirty="0" smtClean="0"/>
+              <a:t>&amp;</a:t>
+            </a:r>
+            <a:r>
+              <a:rPr lang="zh-CN" altLang="en-US" sz="3200" dirty="0" smtClean="0"/>
+              <a:t> 为什么大学没那么重要</a:t>
+            </a:r>
+            <a:endParaRPr lang="en-US" altLang="zh-CN" sz="3200" dirty="0" smtClean="0"/>
+          </a:p>
+          <a:p>
+            <a:r>
+              <a:rPr lang="zh-CN" altLang="en-US" sz="3200" dirty="0" smtClean="0"/>
+              <a:t>活动建议 </a:t>
+            </a:r>
+            <a:r>
+              <a:rPr lang="en-US" altLang="zh-CN" sz="3200" dirty="0" smtClean="0"/>
+              <a:t>&amp;</a:t>
+            </a:r>
+            <a:r>
+              <a:rPr lang="zh-CN" altLang="en-US" sz="3200" dirty="0" smtClean="0"/>
+              <a:t> 避雷</a:t>
+            </a:r>
+            <a:endParaRPr lang="en-US" altLang="zh-CN" sz="3200" dirty="0" smtClean="0"/>
+          </a:p>
+          <a:p>
+            <a:r>
+              <a:rPr lang="zh-CN" altLang="en-US" sz="3200" dirty="0" smtClean="0"/>
+              <a:t>推荐</a:t>
+            </a:r>
+            <a:r>
+              <a:rPr lang="en-US" altLang="zh-CN" sz="3200" dirty="0" smtClean="0"/>
+              <a:t> CS </a:t>
+            </a:r>
+            <a:r>
+              <a:rPr lang="zh-CN" altLang="en-US" sz="3200" dirty="0" smtClean="0"/>
+              <a:t>学习方向</a:t>
+            </a:r>
+            <a:endParaRPr lang="en-US" altLang="zh-CN" sz="3200" dirty="0" smtClean="0"/>
+          </a:p>
+          <a:p>
+            <a:r>
+              <a:rPr lang="zh-CN" altLang="en-US" sz="3200" dirty="0" smtClean="0"/>
+              <a:t>其他</a:t>
+            </a:r>
+            <a:endParaRPr lang="en-US" altLang="zh-CN" sz="3200" dirty="0" smtClean="0"/>
+          </a:p>
+        </p:txBody>
+      </p:sp>
+    </p:spTree>
+    <p:extLst>
+      <p:ext uri="{BB962C8B-B14F-4D97-AF65-F5344CB8AC3E}">
+        <p14:creationId xmlns:p14="http://schemas.microsoft.com/office/powerpoint/2010/main" val="593771058"/>
+      </p:ext>
+    </p:extLst>
+  </p:cSld>
+  <p:clrMapOvr>
+    <a:masterClrMapping/>
+  </p:clrMapOvr>
+  <p:timing>
+    <p:tnLst>
+      <p:par>
+        <p:cTn id="1" dur="indefinite" restart="never" nodeType="tmRoot"/>
+      </p:par>
+    </p:tnLst>
+  </p:timing>
+</p:sld>
+</file>
+
+<file path=ppt/slides/slide4.xml><?xml version="1.0" encoding="utf-8"?>
+<p:sld xmlns:a="http://schemas.openxmlformats.org/drawingml/2006/main" xmlns:r="http://schemas.openxmlformats.org/officeDocument/2006/relationships" xmlns:p="http://schemas.openxmlformats.org/presentationml/2006/main">
+  <p:cSld>
+    <p:spTree>
+      <p:nvGrpSpPr>
+        <p:cNvPr id="1" name=""/>
+        <p:cNvGrpSpPr/>
+        <p:nvPr/>
+      </p:nvGrpSpPr>
+      <p:grpSpPr>
+        <a:xfrm>
+          <a:off x="0" y="0"/>
+          <a:ext cx="0" cy="0"/>
+          <a:chOff x="0" y="0"/>
+          <a:chExt cx="0" cy="0"/>
+        </a:xfrm>
+      </p:grpSpPr>
+      <p:sp>
+        <p:nvSpPr>
+          <p:cNvPr id="2" name="Title 1"/>
+          <p:cNvSpPr>
+            <a:spLocks noGrp="1"/>
+          </p:cNvSpPr>
+          <p:nvPr>
+            <p:ph type="title"/>
+          </p:nvPr>
+        </p:nvSpPr>
+        <p:spPr/>
+        <p:txBody>
+          <a:bodyPr>
+            <a:normAutofit/>
+          </a:bodyPr>
+          <a:lstStyle/>
+          <a:p>
+            <a:r>
+              <a:rPr lang="zh-CN" altLang="en-US" sz="6400" dirty="0" smtClean="0"/>
+              <a:t>卡内基梅隆大学</a:t>
+            </a:r>
+            <a:endParaRPr lang="en-US" sz="6400" dirty="0"/>
+          </a:p>
+        </p:txBody>
+      </p:sp>
+      <p:sp>
+        <p:nvSpPr>
+          <p:cNvPr id="3" name="Content Placeholder 2"/>
+          <p:cNvSpPr>
+            <a:spLocks noGrp="1"/>
+          </p:cNvSpPr>
+          <p:nvPr>
+            <p:ph idx="1"/>
+          </p:nvPr>
+        </p:nvSpPr>
+        <p:spPr/>
+        <p:txBody>
+          <a:bodyPr>
+            <a:normAutofit/>
+          </a:bodyPr>
+          <a:lstStyle/>
+          <a:p>
+            <a:r>
+              <a:rPr lang="en-US" sz="3200" dirty="0" smtClean="0"/>
+              <a:t>US News #22</a:t>
+            </a:r>
+          </a:p>
+          <a:p>
+            <a:r>
+              <a:rPr lang="en-US" altLang="zh-CN" sz="3200" dirty="0" smtClean="0"/>
+              <a:t>#1 School of Computer Science</a:t>
+            </a:r>
+          </a:p>
+          <a:p>
+            <a:r>
+              <a:rPr lang="zh-CN" altLang="en-US" sz="3200" dirty="0" smtClean="0"/>
+              <a:t>录取率</a:t>
+            </a:r>
+            <a:r>
+              <a:rPr lang="en-US" altLang="zh-CN" sz="3200" dirty="0" smtClean="0"/>
+              <a:t>14%</a:t>
+            </a:r>
+            <a:r>
+              <a:rPr lang="zh-CN" altLang="en-US" sz="3200" dirty="0" smtClean="0"/>
+              <a:t>（</a:t>
+            </a:r>
+            <a:r>
+              <a:rPr lang="en-US" altLang="zh-CN" sz="3200" dirty="0" smtClean="0"/>
+              <a:t>&lt;3%</a:t>
+            </a:r>
+            <a:r>
+              <a:rPr lang="zh-CN" altLang="en-US" sz="3200" dirty="0" smtClean="0"/>
+              <a:t>（</a:t>
+            </a:r>
+            <a:r>
+              <a:rPr lang="en-US" altLang="zh-CN" sz="3200" dirty="0" smtClean="0"/>
+              <a:t>&lt;1%</a:t>
+            </a:r>
+            <a:r>
+              <a:rPr lang="zh-CN" altLang="en-US" sz="3200" dirty="0" smtClean="0"/>
+              <a:t>））</a:t>
+            </a:r>
+            <a:endParaRPr lang="en-US" altLang="zh-CN" sz="3200" dirty="0" smtClean="0"/>
+          </a:p>
+          <a:p>
+            <a:r>
+              <a:rPr lang="zh-CN" altLang="en-US" sz="3200" dirty="0" smtClean="0"/>
+              <a:t>比较冷门</a:t>
+            </a:r>
+            <a:endParaRPr lang="en-US" sz="3200" dirty="0" smtClean="0"/>
+          </a:p>
+        </p:txBody>
+      </p:sp>
+    </p:spTree>
+    <p:extLst>
+      <p:ext uri="{BB962C8B-B14F-4D97-AF65-F5344CB8AC3E}">
+        <p14:creationId xmlns:p14="http://schemas.microsoft.com/office/powerpoint/2010/main" val="1954660988"/>
+      </p:ext>
+    </p:extLst>
+  </p:cSld>
+  <p:clrMapOvr>
+    <a:masterClrMapping/>
+  </p:clrMapOvr>
+  <p:timing>
+    <p:tnLst>
+      <p:par>
+        <p:cTn id="1" dur="indefinite" restart="never" nodeType="tmRoot"/>
+      </p:par>
+    </p:tnLst>
+  </p:timing>
+</p:sld>
+</file>
+
+<file path=ppt/slides/slide5.xml><?xml version="1.0" encoding="utf-8"?>
+<p:sld xmlns:a="http://schemas.openxmlformats.org/drawingml/2006/main" xmlns:r="http://schemas.openxmlformats.org/officeDocument/2006/relationships" xmlns:p="http://schemas.openxmlformats.org/presentationml/2006/main">
+  <p:cSld>
+    <p:spTree>
+      <p:nvGrpSpPr>
+        <p:cNvPr id="1" name=""/>
+        <p:cNvGrpSpPr/>
+        <p:nvPr/>
+      </p:nvGrpSpPr>
+      <p:grpSpPr>
+        <a:xfrm>
+          <a:off x="0" y="0"/>
+          <a:ext cx="0" cy="0"/>
+          <a:chOff x="0" y="0"/>
+          <a:chExt cx="0" cy="0"/>
+        </a:xfrm>
+      </p:grpSpPr>
+      <p:sp>
+        <p:nvSpPr>
+          <p:cNvPr id="2" name="Title 1"/>
+          <p:cNvSpPr>
+            <a:spLocks noGrp="1"/>
+          </p:cNvSpPr>
+          <p:nvPr>
+            <p:ph type="title"/>
+          </p:nvPr>
+        </p:nvSpPr>
+        <p:spPr/>
+        <p:txBody>
+          <a:bodyPr>
+            <a:normAutofit/>
+          </a:bodyPr>
+          <a:lstStyle/>
+          <a:p>
+            <a:r>
+              <a:rPr lang="zh-CN" altLang="en-US" sz="6400" dirty="0" smtClean="0"/>
+              <a:t>个人信息</a:t>
+            </a:r>
+            <a:endParaRPr lang="en-US" sz="6400" dirty="0"/>
+          </a:p>
+        </p:txBody>
+      </p:sp>
+      <p:sp>
+        <p:nvSpPr>
+          <p:cNvPr id="3" name="Content Placeholder 2"/>
+          <p:cNvSpPr>
+            <a:spLocks noGrp="1"/>
+          </p:cNvSpPr>
+          <p:nvPr>
+            <p:ph idx="1"/>
+          </p:nvPr>
+        </p:nvSpPr>
+        <p:spPr/>
+        <p:txBody>
+          <a:bodyPr>
+            <a:normAutofit/>
+          </a:bodyPr>
+          <a:lstStyle/>
+          <a:p>
+            <a:r>
+              <a:rPr lang="en-US" sz="2800" dirty="0" smtClean="0"/>
+              <a:t>IB: 38/42</a:t>
+            </a:r>
+          </a:p>
+          <a:p>
+            <a:r>
+              <a:rPr lang="en-US" sz="2800" dirty="0" smtClean="0"/>
+              <a:t>HL: Math AA, Physics, Computer Science</a:t>
+            </a:r>
+          </a:p>
+          <a:p>
+            <a:r>
+              <a:rPr lang="en-US" sz="2800" dirty="0" smtClean="0"/>
+              <a:t>SL: Chinese, English, Business</a:t>
+            </a:r>
+          </a:p>
+          <a:p>
+            <a:r>
+              <a:rPr lang="en-US" sz="2800" dirty="0" smtClean="0"/>
+              <a:t>Clubs: CS Club &amp; Table Tennis</a:t>
+            </a:r>
+            <a:r>
+              <a:rPr lang="zh-CN" altLang="en-US" sz="2800" dirty="0" smtClean="0"/>
+              <a:t>（但我总逃课</a:t>
+            </a:r>
+            <a:r>
+              <a:rPr lang="en-US" altLang="zh-CN" sz="2800" dirty="0" smtClean="0"/>
+              <a:t> so not really</a:t>
+            </a:r>
+            <a:r>
+              <a:rPr lang="zh-CN" altLang="en-US" sz="2800" dirty="0" smtClean="0"/>
+              <a:t>）</a:t>
+            </a:r>
+            <a:endParaRPr lang="en-US" sz="2800" dirty="0"/>
+          </a:p>
+        </p:txBody>
+      </p:sp>
+    </p:spTree>
+    <p:extLst>
+      <p:ext uri="{BB962C8B-B14F-4D97-AF65-F5344CB8AC3E}">
+        <p14:creationId xmlns:p14="http://schemas.microsoft.com/office/powerpoint/2010/main" val="759571513"/>
+      </p:ext>
+    </p:extLst>
+  </p:cSld>
+  <p:clrMapOvr>
+    <a:masterClrMapping/>
+  </p:clrMapOvr>
+  <p:timing>
+    <p:tnLst>
+      <p:par>
+        <p:cTn id="1" dur="indefinite" restart="never" nodeType="tmRoot"/>
+      </p:par>
+    </p:tnLst>
+  </p:timing>
+</p:sld>
+</file>
+
+<file path=ppt/slides/slide6.xml><?xml version="1.0" encoding="utf-8"?>
+<p:sld xmlns:a="http://schemas.openxmlformats.org/drawingml/2006/main" xmlns:r="http://schemas.openxmlformats.org/officeDocument/2006/relationships" xmlns:p="http://schemas.openxmlformats.org/presentationml/2006/main">
+  <p:cSld>
+    <p:spTree>
+      <p:nvGrpSpPr>
+        <p:cNvPr id="1" name=""/>
+        <p:cNvGrpSpPr/>
+        <p:nvPr/>
+      </p:nvGrpSpPr>
+      <p:grpSpPr>
+        <a:xfrm>
+          <a:off x="0" y="0"/>
+          <a:ext cx="0" cy="0"/>
+          <a:chOff x="0" y="0"/>
+          <a:chExt cx="0" cy="0"/>
+        </a:xfrm>
+      </p:grpSpPr>
+      <p:sp>
+        <p:nvSpPr>
+          <p:cNvPr id="2" name="Title 1"/>
+          <p:cNvSpPr>
+            <a:spLocks noGrp="1"/>
+          </p:cNvSpPr>
+          <p:nvPr>
+            <p:ph type="title"/>
+          </p:nvPr>
+        </p:nvSpPr>
+        <p:spPr/>
+        <p:txBody>
+          <a:bodyPr>
+            <a:normAutofit/>
+          </a:bodyPr>
+          <a:lstStyle/>
+          <a:p>
+            <a:r>
+              <a:rPr lang="en-US" altLang="zh-CN" sz="6400" dirty="0" smtClean="0"/>
+              <a:t>CS</a:t>
+            </a:r>
+            <a:r>
+              <a:rPr lang="zh-CN" altLang="en-US" sz="6400" dirty="0" smtClean="0"/>
+              <a:t>申请结果</a:t>
+            </a:r>
+            <a:r>
+              <a:rPr lang="en-US" altLang="zh-CN" sz="6400" dirty="0" smtClean="0"/>
+              <a:t> </a:t>
+            </a:r>
+            <a:r>
+              <a:rPr lang="zh-CN" altLang="en-US" sz="6600" dirty="0" smtClean="0"/>
+              <a:t>✅</a:t>
+            </a:r>
+            <a:endParaRPr lang="en-US" sz="6400" dirty="0"/>
+          </a:p>
+        </p:txBody>
+      </p:sp>
+      <p:sp>
+        <p:nvSpPr>
+          <p:cNvPr id="3" name="Content Placeholder 2"/>
+          <p:cNvSpPr>
+            <a:spLocks noGrp="1"/>
+          </p:cNvSpPr>
+          <p:nvPr>
+            <p:ph idx="1"/>
+          </p:nvPr>
+        </p:nvSpPr>
+        <p:spPr/>
+        <p:txBody>
+          <a:bodyPr>
+            <a:normAutofit/>
+          </a:bodyPr>
+          <a:lstStyle/>
+          <a:p>
+            <a:r>
+              <a:rPr lang="en-US" sz="3200" dirty="0" smtClean="0"/>
+              <a:t>Carnegie Mellon University</a:t>
+            </a:r>
+          </a:p>
+          <a:p>
+            <a:r>
+              <a:rPr lang="en-US" sz="3200" dirty="0" smtClean="0"/>
+              <a:t>Maryland University</a:t>
+            </a:r>
+            <a:endParaRPr lang="en-US" sz="3200" dirty="0"/>
+          </a:p>
+        </p:txBody>
+      </p:sp>
+    </p:spTree>
+    <p:extLst>
+      <p:ext uri="{BB962C8B-B14F-4D97-AF65-F5344CB8AC3E}">
+        <p14:creationId xmlns:p14="http://schemas.microsoft.com/office/powerpoint/2010/main" val="1655962899"/>
+      </p:ext>
+    </p:extLst>
+  </p:cSld>
+  <p:clrMapOvr>
+    <a:masterClrMapping/>
+  </p:clrMapOvr>
+  <p:timing>
+    <p:tnLst>
+      <p:par>
+        <p:cTn id="1" dur="indefinite" restart="never" nodeType="tmRoot">
+          <p:childTnLst>
+            <p:seq concurrent="1" nextAc="seek">
+              <p:cTn id="2" dur="indefinite" nodeType="mainSeq">
+                <p:childTnLst>
+                  <p:par>
+                    <p:cTn id="3" fill="hold">
+                      <p:stCondLst>
+                        <p:cond delay="indefinite"/>
+                      </p:stCondLst>
+                      <p:childTnLst>
+                        <p:par>
+                          <p:cTn id="4" fill="hold">
+                            <p:stCondLst>
+                              <p:cond delay="0"/>
+                            </p:stCondLst>
+                            <p:childTnLst>
+                              <p:par>
+                                <p:cTn id="5" presetID="1" presetClass="entr" presetSubtype="0" fill="hold" grpId="0" nodeType="clickEffect">
+                                  <p:stCondLst>
+                                    <p:cond delay="0"/>
+                                  </p:stCondLst>
+                                  <p:childTnLst>
+                                    <p:set>
+                                      <p:cBhvr>
+                                        <p:cTn id="6" dur="1" fill="hold">
+                                          <p:stCondLst>
+                                            <p:cond delay="0"/>
+                                          </p:stCondLst>
+                                        </p:cTn>
+                                        <p:tgtEl>
+                                          <p:spTgt spid="3"/>
+                                        </p:tgtEl>
+                                        <p:attrNameLst>
+                                          <p:attrName>style.visibility</p:attrName>
+                                        </p:attrNameLst>
+                                      </p:cBhvr>
+                                      <p:to>
+                                        <p:strVal val="visible"/>
+                                      </p:to>
+                                    </p:set>
+                                  </p:childTnLst>
+                                </p:cTn>
+                              </p:par>
+                            </p:childTnLst>
+                          </p:cTn>
+                        </p:par>
+                      </p:childTnLst>
+                    </p:cTn>
+                  </p:par>
+                </p:childTnLst>
+              </p:cTn>
+              <p:prevCondLst>
+                <p:cond evt="onPrev" delay="0">
+                  <p:tgtEl>
+                    <p:sldTgt/>
+                  </p:tgtEl>
+                </p:cond>
+              </p:prevCondLst>
+              <p:nextCondLst>
+                <p:cond evt="onNext" delay="0">
+                  <p:tgtEl>
+                    <p:sldTgt/>
+                  </p:tgtEl>
+                </p:cond>
+              </p:nextCondLst>
+            </p:seq>
+          </p:childTnLst>
+        </p:cTn>
+      </p:par>
+    </p:tnLst>
+    <p:bldLst>
+      <p:bldP spid="3" grpId="0" uiExpand="1"/>
+    </p:bldLst>
+  </p:timing>
+</p:sld>
+</file>
+
+<file path=ppt/slides/slide7.xml><?xml version="1.0" encoding="utf-8"?>
+<p:sld xmlns:a="http://schemas.openxmlformats.org/drawingml/2006/main" xmlns:r="http://schemas.openxmlformats.org/officeDocument/2006/relationships" xmlns:p="http://schemas.openxmlformats.org/presentationml/2006/main">
+  <p:cSld>
+    <p:spTree>
+      <p:nvGrpSpPr>
+        <p:cNvPr id="1" name=""/>
+        <p:cNvGrpSpPr/>
+        <p:nvPr/>
+      </p:nvGrpSpPr>
+      <p:grpSpPr>
+        <a:xfrm>
+          <a:off x="0" y="0"/>
+          <a:ext cx="0" cy="0"/>
+          <a:chOff x="0" y="0"/>
+          <a:chExt cx="0" cy="0"/>
+        </a:xfrm>
+      </p:grpSpPr>
+      <p:sp>
+        <p:nvSpPr>
+          <p:cNvPr id="2" name="Title 1"/>
+          <p:cNvSpPr>
+            <a:spLocks noGrp="1"/>
+          </p:cNvSpPr>
+          <p:nvPr>
+            <p:ph type="title"/>
+          </p:nvPr>
+        </p:nvSpPr>
+        <p:spPr/>
+        <p:txBody>
+          <a:bodyPr>
+            <a:normAutofit/>
+          </a:bodyPr>
+          <a:lstStyle/>
+          <a:p>
+            <a:r>
+              <a:rPr lang="en-US" altLang="zh-CN" sz="6400" dirty="0" smtClean="0"/>
+              <a:t>CS</a:t>
+            </a:r>
+            <a:r>
+              <a:rPr lang="zh-CN" altLang="en-US" sz="6400" dirty="0" smtClean="0"/>
+              <a:t>申请结果</a:t>
+            </a:r>
+            <a:r>
+              <a:rPr lang="zh-CN" altLang="en-US" sz="6400" dirty="0"/>
+              <a:t> </a:t>
+            </a:r>
+            <a:r>
+              <a:rPr lang="zh-CN" altLang="en-US" sz="6600" dirty="0" smtClean="0"/>
+              <a:t>❌（</a:t>
+            </a:r>
+            <a:r>
+              <a:rPr lang="en-US" altLang="zh-CN" sz="6600" dirty="0" smtClean="0"/>
+              <a:t>1/2</a:t>
+            </a:r>
+            <a:r>
+              <a:rPr lang="zh-CN" altLang="en-US" sz="6600" dirty="0" smtClean="0"/>
+              <a:t>）</a:t>
+            </a:r>
+            <a:endParaRPr lang="en-US" sz="6400" dirty="0"/>
+          </a:p>
+        </p:txBody>
+      </p:sp>
+      <p:sp>
+        <p:nvSpPr>
+          <p:cNvPr id="3" name="Content Placeholder 2"/>
+          <p:cNvSpPr>
+            <a:spLocks noGrp="1"/>
+          </p:cNvSpPr>
+          <p:nvPr>
+            <p:ph idx="1"/>
+          </p:nvPr>
+        </p:nvSpPr>
+        <p:spPr/>
+        <p:txBody>
+          <a:bodyPr>
+            <a:normAutofit/>
+          </a:bodyPr>
+          <a:lstStyle/>
+          <a:p>
+            <a:r>
+              <a:rPr lang="en-US" dirty="0" smtClean="0"/>
+              <a:t>Harvey </a:t>
+            </a:r>
+            <a:r>
+              <a:rPr lang="en-US" dirty="0" err="1" smtClean="0"/>
+              <a:t>Mudd</a:t>
+            </a:r>
+            <a:r>
+              <a:rPr lang="en-US" dirty="0" smtClean="0"/>
+              <a:t> College</a:t>
+            </a:r>
+          </a:p>
+          <a:p>
+            <a:r>
+              <a:rPr lang="en-US" dirty="0" smtClean="0"/>
+              <a:t>New York University</a:t>
+            </a:r>
+          </a:p>
+          <a:p>
+            <a:r>
+              <a:rPr lang="en-US" dirty="0" smtClean="0"/>
+              <a:t>Purdue University</a:t>
+            </a:r>
+          </a:p>
+          <a:p>
+            <a:r>
+              <a:rPr lang="en-US" dirty="0" smtClean="0"/>
+              <a:t>Rice University</a:t>
+            </a:r>
+          </a:p>
+          <a:p>
+            <a:r>
+              <a:rPr lang="en-US" dirty="0" smtClean="0"/>
+              <a:t>Swarthmore College</a:t>
+            </a:r>
+          </a:p>
+          <a:p>
+            <a:r>
+              <a:rPr lang="en-US" dirty="0"/>
+              <a:t>University of Illinois </a:t>
+            </a:r>
+            <a:r>
+              <a:rPr lang="en-US" dirty="0" smtClean="0"/>
+              <a:t>Urbana-Champaign</a:t>
+            </a:r>
+          </a:p>
+          <a:p>
+            <a:r>
+              <a:rPr lang="en-US" dirty="0"/>
+              <a:t>University of </a:t>
+            </a:r>
+            <a:r>
+              <a:rPr lang="en-US" dirty="0" smtClean="0"/>
+              <a:t>Massachusetts Amherst</a:t>
+            </a:r>
+          </a:p>
+          <a:p>
+            <a:r>
+              <a:rPr lang="en-US" dirty="0"/>
+              <a:t>University of Washington</a:t>
+            </a:r>
+          </a:p>
+        </p:txBody>
+      </p:sp>
+    </p:spTree>
+    <p:extLst>
+      <p:ext uri="{BB962C8B-B14F-4D97-AF65-F5344CB8AC3E}">
+        <p14:creationId xmlns:p14="http://schemas.microsoft.com/office/powerpoint/2010/main" val="561744626"/>
+      </p:ext>
+    </p:extLst>
+  </p:cSld>
+  <p:clrMapOvr>
+    <a:masterClrMapping/>
+  </p:clrMapOvr>
+  <p:timing>
+    <p:tnLst>
+      <p:par>
+        <p:cTn id="1" dur="indefinite" restart="never" nodeType="tmRoot">
+          <p:childTnLst>
+            <p:seq concurrent="1" nextAc="seek">
+              <p:cTn id="2" dur="indefinite" nodeType="mainSeq">
+                <p:childTnLst>
+                  <p:par>
+                    <p:cTn id="3" fill="hold">
+                      <p:stCondLst>
+                        <p:cond delay="indefinite"/>
+                      </p:stCondLst>
+                      <p:childTnLst>
+                        <p:par>
+                          <p:cTn id="4" fill="hold">
+                            <p:stCondLst>
+                              <p:cond delay="0"/>
+                            </p:stCondLst>
+                            <p:childTnLst>
+                              <p:par>
+                                <p:cTn id="5" presetID="1" presetClass="entr" presetSubtype="0" fill="hold" grpId="0" nodeType="clickEffect">
+                                  <p:stCondLst>
+                                    <p:cond delay="0"/>
+                                  </p:stCondLst>
+                                  <p:childTnLst>
+                                    <p:set>
+                                      <p:cBhvr>
+                                        <p:cTn id="6" dur="1" fill="hold">
+                                          <p:stCondLst>
+                                            <p:cond delay="0"/>
+                                          </p:stCondLst>
+                                        </p:cTn>
+                                        <p:tgtEl>
+                                          <p:spTgt spid="3"/>
+                                        </p:tgtEl>
+                                        <p:attrNameLst>
+                                          <p:attrName>style.visibility</p:attrName>
+                                        </p:attrNameLst>
+                                      </p:cBhvr>
+                                      <p:to>
+                                        <p:strVal val="visible"/>
+                                      </p:to>
+                                    </p:set>
+                                  </p:childTnLst>
+                                </p:cTn>
+                              </p:par>
+                            </p:childTnLst>
+                          </p:cTn>
+                        </p:par>
+                      </p:childTnLst>
+                    </p:cTn>
+                  </p:par>
+                </p:childTnLst>
+              </p:cTn>
+              <p:prevCondLst>
+                <p:cond evt="onPrev" delay="0">
+                  <p:tgtEl>
+                    <p:sldTgt/>
+                  </p:tgtEl>
+                </p:cond>
+              </p:prevCondLst>
+              <p:nextCondLst>
+                <p:cond evt="onNext" delay="0">
+                  <p:tgtEl>
+                    <p:sldTgt/>
+                  </p:tgtEl>
+                </p:cond>
+              </p:nextCondLst>
+            </p:seq>
+          </p:childTnLst>
+        </p:cTn>
+      </p:par>
+    </p:tnLst>
+    <p:bldLst>
+      <p:bldP spid="3" grpId="0"/>
+    </p:bldLst>
+  </p:timing>
+</p:sld>
+</file>
+
+<file path=ppt/slides/slide8.xml><?xml version="1.0" encoding="utf-8"?>
+<p:sld xmlns:a="http://schemas.openxmlformats.org/drawingml/2006/main" xmlns:r="http://schemas.openxmlformats.org/officeDocument/2006/relationships" xmlns:p="http://schemas.openxmlformats.org/presentationml/2006/main">
+  <p:cSld>
+    <p:spTree>
+      <p:nvGrpSpPr>
+        <p:cNvPr id="1" name=""/>
+        <p:cNvGrpSpPr/>
+        <p:nvPr/>
+      </p:nvGrpSpPr>
+      <p:grpSpPr>
+        <a:xfrm>
+          <a:off x="0" y="0"/>
+          <a:ext cx="0" cy="0"/>
+          <a:chOff x="0" y="0"/>
+          <a:chExt cx="0" cy="0"/>
+        </a:xfrm>
+      </p:grpSpPr>
+      <p:sp>
+        <p:nvSpPr>
+          <p:cNvPr id="2" name="Title 1"/>
+          <p:cNvSpPr>
+            <a:spLocks noGrp="1"/>
+          </p:cNvSpPr>
+          <p:nvPr>
+            <p:ph type="title"/>
+          </p:nvPr>
+        </p:nvSpPr>
+        <p:spPr/>
+        <p:txBody>
+          <a:bodyPr>
+            <a:normAutofit/>
+          </a:bodyPr>
+          <a:lstStyle/>
+          <a:p>
+            <a:r>
+              <a:rPr lang="en-US" altLang="zh-CN" sz="6400" dirty="0" smtClean="0"/>
+              <a:t>CS</a:t>
+            </a:r>
+            <a:r>
+              <a:rPr lang="zh-CN" altLang="en-US" sz="6400" dirty="0" smtClean="0"/>
+              <a:t>申请结果</a:t>
+            </a:r>
+            <a:r>
+              <a:rPr lang="zh-CN" altLang="en-US" sz="6400" dirty="0"/>
+              <a:t> </a:t>
+            </a:r>
+            <a:r>
+              <a:rPr lang="zh-CN" altLang="en-US" sz="6600" dirty="0" smtClean="0"/>
+              <a:t>❌（</a:t>
+            </a:r>
+            <a:r>
+              <a:rPr lang="en-US" altLang="zh-CN" sz="6600" dirty="0" smtClean="0"/>
+              <a:t>2/2</a:t>
+            </a:r>
+            <a:r>
+              <a:rPr lang="zh-CN" altLang="en-US" sz="6600" dirty="0" smtClean="0"/>
+              <a:t>）</a:t>
+            </a:r>
+            <a:endParaRPr lang="en-US" sz="6400" dirty="0"/>
+          </a:p>
+        </p:txBody>
+      </p:sp>
+      <p:sp>
+        <p:nvSpPr>
+          <p:cNvPr id="3" name="Content Placeholder 2"/>
+          <p:cNvSpPr>
+            <a:spLocks noGrp="1"/>
+          </p:cNvSpPr>
+          <p:nvPr>
+            <p:ph idx="1"/>
+          </p:nvPr>
+        </p:nvSpPr>
+        <p:spPr/>
+        <p:txBody>
+          <a:bodyPr>
+            <a:normAutofit/>
+          </a:bodyPr>
+          <a:lstStyle/>
+          <a:p>
+            <a:r>
+              <a:rPr lang="en-US" dirty="0" smtClean="0"/>
+              <a:t>UCLA</a:t>
+            </a:r>
+          </a:p>
+          <a:p>
+            <a:r>
+              <a:rPr lang="en-US" dirty="0" smtClean="0"/>
+              <a:t>UCB</a:t>
+            </a:r>
+          </a:p>
+          <a:p>
+            <a:r>
+              <a:rPr lang="en-US" dirty="0" smtClean="0"/>
+              <a:t>UCSD</a:t>
+            </a:r>
+          </a:p>
+          <a:p>
+            <a:r>
+              <a:rPr lang="en-US" dirty="0" smtClean="0"/>
+              <a:t>UCSB</a:t>
+            </a:r>
+          </a:p>
+          <a:p>
+            <a:r>
+              <a:rPr lang="en-US" dirty="0" smtClean="0"/>
+              <a:t>UCI</a:t>
+            </a:r>
+          </a:p>
+          <a:p>
+            <a:r>
+              <a:rPr lang="en-US" dirty="0" smtClean="0"/>
+              <a:t>UCD</a:t>
+            </a:r>
+            <a:endParaRPr lang="en-US" dirty="0"/>
+          </a:p>
+        </p:txBody>
+      </p:sp>
+    </p:spTree>
+    <p:extLst>
+      <p:ext uri="{BB962C8B-B14F-4D97-AF65-F5344CB8AC3E}">
+        <p14:creationId xmlns:p14="http://schemas.microsoft.com/office/powerpoint/2010/main" val="1923234762"/>
+      </p:ext>
+    </p:extLst>
+  </p:cSld>
+  <p:clrMapOvr>
+    <a:masterClrMapping/>
+  </p:clrMapOvr>
+  <p:timing>
+    <p:tnLst>
+      <p:par>
+        <p:cTn id="1" dur="indefinite" restart="never" nodeType="tmRoot">
+          <p:childTnLst>
+            <p:seq concurrent="1" nextAc="seek">
+              <p:cTn id="2" dur="indefinite" nodeType="mainSeq">
+                <p:childTnLst>
+                  <p:par>
+                    <p:cTn id="3" fill="hold">
+                      <p:stCondLst>
+                        <p:cond delay="indefinite"/>
+                      </p:stCondLst>
+                      <p:childTnLst>
+                        <p:par>
+                          <p:cTn id="4" fill="hold">
+                            <p:stCondLst>
+                              <p:cond delay="0"/>
+                            </p:stCondLst>
+                            <p:childTnLst>
+                              <p:par>
+                                <p:cTn id="5" presetID="1" presetClass="entr" presetSubtype="0" fill="hold" grpId="0" nodeType="clickEffect">
+                                  <p:stCondLst>
+                                    <p:cond delay="0"/>
+                                  </p:stCondLst>
+                                  <p:childTnLst>
+                                    <p:set>
+                                      <p:cBhvr>
+                                        <p:cTn id="6" dur="1" fill="hold">
+                                          <p:stCondLst>
+                                            <p:cond delay="0"/>
+                                          </p:stCondLst>
+                                        </p:cTn>
+                                        <p:tgtEl>
+                                          <p:spTgt spid="3"/>
+                                        </p:tgtEl>
+                                        <p:attrNameLst>
+                                          <p:attrName>style.visibility</p:attrName>
+                                        </p:attrNameLst>
+                                      </p:cBhvr>
+                                      <p:to>
+                                        <p:strVal val="visible"/>
+                                      </p:to>
+                                    </p:set>
+                                  </p:childTnLst>
+                                </p:cTn>
+                              </p:par>
+                            </p:childTnLst>
+                          </p:cTn>
+                        </p:par>
+                      </p:childTnLst>
+                    </p:cTn>
+                  </p:par>
+                </p:childTnLst>
+              </p:cTn>
+              <p:prevCondLst>
+                <p:cond evt="onPrev" delay="0">
+                  <p:tgtEl>
+                    <p:sldTgt/>
+                  </p:tgtEl>
+                </p:cond>
+              </p:prevCondLst>
+              <p:nextCondLst>
+                <p:cond evt="onNext" delay="0">
+                  <p:tgtEl>
+                    <p:sldTgt/>
+                  </p:tgtEl>
+                </p:cond>
+              </p:nextCondLst>
+            </p:seq>
+          </p:childTnLst>
+        </p:cTn>
+      </p:par>
+    </p:tnLst>
+    <p:bldLst>
+      <p:bldP spid="3" grpId="0"/>
+    </p:bldLst>
+  </p:timing>
+</p:sld>
+</file>
+
+<file path=ppt/slides/slide9.xml><?xml version="1.0" encoding="utf-8"?>
+<p:sld xmlns:a="http://schemas.openxmlformats.org/drawingml/2006/main" xmlns:r="http://schemas.openxmlformats.org/officeDocument/2006/relationships" xmlns:p="http://schemas.openxmlformats.org/presentationml/2006/main">
+  <p:cSld>
+    <p:spTree>
+      <p:nvGrpSpPr>
+        <p:cNvPr id="1" name=""/>
+        <p:cNvGrpSpPr/>
+        <p:nvPr/>
+      </p:nvGrpSpPr>
+      <p:grpSpPr>
+        <a:xfrm>
+          <a:off x="0" y="0"/>
+          <a:ext cx="0" cy="0"/>
+          <a:chOff x="0" y="0"/>
+          <a:chExt cx="0" cy="0"/>
+        </a:xfrm>
+      </p:grpSpPr>
+      <p:sp>
+        <p:nvSpPr>
+          <p:cNvPr id="2" name="Title 1"/>
+          <p:cNvSpPr>
+            <a:spLocks noGrp="1"/>
+          </p:cNvSpPr>
+          <p:nvPr>
+            <p:ph type="title"/>
+          </p:nvPr>
+        </p:nvSpPr>
+        <p:spPr>
+          <a:xfrm>
+            <a:off x="1416756" y="3000023"/>
+            <a:ext cx="9601200" cy="1485900"/>
+          </a:xfrm>
+        </p:spPr>
+        <p:txBody>
+          <a:bodyPr>
+            <a:normAutofit/>
+          </a:bodyPr>
+          <a:lstStyle/>
+          <a:p>
+            <a:pPr algn="ctr"/>
+            <a:r>
+              <a:rPr lang="zh-CN" altLang="en-US" sz="7200" dirty="0" smtClean="0"/>
+              <a:t>兴趣 </a:t>
+            </a:r>
+            <a:r>
+              <a:rPr lang="en-US" altLang="zh-CN" sz="7200" dirty="0" smtClean="0"/>
+              <a:t>vs. </a:t>
+            </a:r>
+            <a:r>
+              <a:rPr lang="zh-CN" altLang="en-US" sz="7200" dirty="0" smtClean="0"/>
+              <a:t>升学</a:t>
+            </a:r>
+            <a:endParaRPr lang="en-US" sz="7200" dirty="0"/>
+          </a:p>
+        </p:txBody>
+      </p:sp>
+    </p:spTree>
+    <p:extLst>
+      <p:ext uri="{BB962C8B-B14F-4D97-AF65-F5344CB8AC3E}">
+        <p14:creationId xmlns:p14="http://schemas.microsoft.com/office/powerpoint/2010/main" val="1481172149"/>
+      </p:ext>
+    </p:extLst>
+  </p:cSld>
+  <p:clrMapOvr>
+    <a:masterClrMapping/>
+  </p:clrMapOvr>
+  <p:timing>
+    <p:tnLst>
+      <p:par>
+        <p:cTn id="1" dur="indefinite" restart="never" nodeType="tmRoot"/>
+      </p:par>
+    </p:tnLst>
+  </p:timing>
 </p:sld>
 </file>
 
@@ -4050,4 +8470,265 @@
     </a:ext>
   </a:extLst>
 </a:theme>
+</file>
+
+<file path=ppt/theme/theme2.xml><?xml version="1.0" encoding="utf-8"?>
+<a:theme xmlns:a="http://schemas.openxmlformats.org/drawingml/2006/main" name="Office Theme">
+  <a:themeElements>
+    <a:clrScheme name="Office">
+      <a:dk1>
+        <a:sysClr val="windowText" lastClr="000000"/>
+      </a:dk1>
+      <a:lt1>
+        <a:sysClr val="window" lastClr="FFFFFF"/>
+      </a:lt1>
+      <a:dk2>
+        <a:srgbClr val="44546A"/>
+      </a:dk2>
+      <a:lt2>
+        <a:srgbClr val="E7E6E6"/>
+      </a:lt2>
+      <a:accent1>
+        <a:srgbClr val="5B9BD5"/>
+      </a:accent1>
+      <a:accent2>
+        <a:srgbClr val="ED7D31"/>
+      </a:accent2>
+      <a:accent3>
+        <a:srgbClr val="A5A5A5"/>
+      </a:accent3>
+      <a:accent4>
+        <a:srgbClr val="FFC000"/>
+      </a:accent4>
+      <a:accent5>
+        <a:srgbClr val="4472C4"/>
+      </a:accent5>
+      <a:accent6>
+        <a:srgbClr val="70AD47"/>
+      </a:accent6>
+      <a:hlink>
+        <a:srgbClr val="0563C1"/>
+      </a:hlink>
+      <a:folHlink>
+        <a:srgbClr val="954F72"/>
+      </a:folHlink>
+    </a:clrScheme>
+    <a:fontScheme name="Office">
+      <a:majorFont>
+        <a:latin typeface="Calibri Light" panose="020F0302020204030204"/>
+        <a:ea typeface=""/>
+        <a:cs typeface=""/>
+        <a:font script="Jpan" typeface="Yu Gothic Light"/>
+        <a:font script="Hang" typeface="맑은 고딕"/>
+        <a:font script="Hans" typeface="DengXian Light"/>
+        <a:font script="Hant" typeface="新細明體"/>
+        <a:font script="Arab" typeface="Times New Roman"/>
+        <a:font script="Hebr" typeface="Times New Roman"/>
+        <a:font script="Thai" typeface="Angsana New"/>
+        <a:font script="Ethi" typeface="Nyala"/>
+        <a:font script="Beng" typeface="Vrinda"/>
+        <a:font script="Gujr" typeface="Shruti"/>
+        <a:font script="Khmr" typeface="MoolBoran"/>
+        <a:font script="Knda" typeface="Tunga"/>
+        <a:font script="Guru" typeface="Raavi"/>
+        <a:font script="Cans" typeface="Euphemia"/>
+        <a:font script="Cher" typeface="Plantagenet Cherokee"/>
+        <a:font script="Yiii" typeface="Microsoft Yi Baiti"/>
+        <a:font script="Tibt" typeface="Microsoft Himalaya"/>
+        <a:font script="Thaa" typeface="MV Boli"/>
+        <a:font script="Deva" typeface="Mangal"/>
+        <a:font script="Telu" typeface="Gautami"/>
+        <a:font script="Taml" typeface="Latha"/>
+        <a:font script="Syrc" typeface="Estrangelo Edessa"/>
+        <a:font script="Orya" typeface="Kalinga"/>
+        <a:font script="Mlym" typeface="Kartika"/>
+        <a:font script="Laoo" typeface="DokChampa"/>
+        <a:font script="Sinh" typeface="Iskoola Pota"/>
+        <a:font script="Mong" typeface="Mongolian Baiti"/>
+        <a:font script="Viet" typeface="Times New Roman"/>
+        <a:font script="Uigh" typeface="Microsoft Uighur"/>
+        <a:font script="Geor" typeface="Sylfaen"/>
+      </a:majorFont>
+      <a:minorFont>
+        <a:latin typeface="Calibri" panose="020F0502020204030204"/>
+        <a:ea typeface=""/>
+        <a:cs typeface=""/>
+        <a:font script="Jpan" typeface="Yu Gothic"/>
+        <a:font script="Hang" typeface="맑은 고딕"/>
+        <a:font script="Hans" typeface="DengXian"/>
+        <a:font script="Hant" typeface="新細明體"/>
+        <a:font script="Arab" typeface="Arial"/>
+        <a:font script="Hebr" typeface="Arial"/>
+        <a:font script="Thai" typeface="Cordia New"/>
+        <a:font script="Ethi" typeface="Nyala"/>
+        <a:font script="Beng" typeface="Vrinda"/>
+        <a:font script="Gujr" typeface="Shruti"/>
+        <a:font script="Khmr" typeface="DaunPenh"/>
+        <a:font script="Knda" typeface="Tunga"/>
+        <a:font script="Guru" typeface="Raavi"/>
+        <a:font script="Cans" typeface="Euphemia"/>
+        <a:font script="Cher" typeface="Plantagenet Cherokee"/>
+        <a:font script="Yiii" typeface="Microsoft Yi Baiti"/>
+        <a:font script="Tibt" typeface="Microsoft Himalaya"/>
+        <a:font script="Thaa" typeface="MV Boli"/>
+        <a:font script="Deva" typeface="Mangal"/>
+        <a:font script="Telu" typeface="Gautami"/>
+        <a:font script="Taml" typeface="Latha"/>
+        <a:font script="Syrc" typeface="Estrangelo Edessa"/>
+        <a:font script="Orya" typeface="Kalinga"/>
+        <a:font script="Mlym" typeface="Kartika"/>
+        <a:font script="Laoo" typeface="DokChampa"/>
+        <a:font script="Sinh" typeface="Iskoola Pota"/>
+        <a:font script="Mong" typeface="Mongolian Baiti"/>
+        <a:font script="Viet" typeface="Arial"/>
+        <a:font script="Uigh" typeface="Microsoft Uighur"/>
+        <a:font script="Geor" typeface="Sylfaen"/>
+      </a:minorFont>
+    </a:fontScheme>
+    <a:fmtScheme name="Office">
+      <a:fillStyleLst>
+        <a:solidFill>
+          <a:schemeClr val="phClr"/>
+        </a:solidFill>
+        <a:gradFill rotWithShape="1">
+          <a:gsLst>
+            <a:gs pos="0">
+              <a:schemeClr val="phClr">
+                <a:lumMod val="110000"/>
+                <a:satMod val="105000"/>
+                <a:tint val="67000"/>
+              </a:schemeClr>
+            </a:gs>
+            <a:gs pos="50000">
+              <a:schemeClr val="phClr">
+                <a:lumMod val="105000"/>
+                <a:satMod val="103000"/>
+                <a:tint val="73000"/>
+              </a:schemeClr>
+            </a:gs>
+            <a:gs pos="100000">
+              <a:schemeClr val="phClr">
+                <a:lumMod val="105000"/>
+                <a:satMod val="109000"/>
+                <a:tint val="81000"/>
+              </a:schemeClr>
+            </a:gs>
+          </a:gsLst>
+          <a:lin ang="5400000" scaled="0"/>
+        </a:gradFill>
+        <a:gradFill rotWithShape="1">
+          <a:gsLst>
+            <a:gs pos="0">
+              <a:schemeClr val="phClr">
+                <a:satMod val="103000"/>
+                <a:lumMod val="102000"/>
+                <a:tint val="94000"/>
+              </a:schemeClr>
+            </a:gs>
+            <a:gs pos="50000">
+              <a:schemeClr val="phClr">
+                <a:satMod val="110000"/>
+                <a:lumMod val="100000"/>
+                <a:shade val="100000"/>
+              </a:schemeClr>
+            </a:gs>
+            <a:gs pos="100000">
+              <a:schemeClr val="phClr">
+                <a:lumMod val="99000"/>
+                <a:satMod val="120000"/>
+                <a:shade val="78000"/>
+              </a:schemeClr>
+            </a:gs>
+          </a:gsLst>
+          <a:lin ang="5400000" scaled="0"/>
+        </a:gradFill>
+      </a:fillStyleLst>
+      <a:lnStyleLst>
+        <a:ln w="6350" cap="flat" cmpd="sng" algn="ctr">
+          <a:solidFill>
+            <a:schemeClr val="phClr"/>
+          </a:solidFill>
+          <a:prstDash val="solid"/>
+          <a:miter lim="800000"/>
+        </a:ln>
+        <a:ln w="12700" cap="flat" cmpd="sng" algn="ctr">
+          <a:solidFill>
+            <a:schemeClr val="phClr"/>
+          </a:solidFill>
+          <a:prstDash val="solid"/>
+          <a:miter lim="800000"/>
+        </a:ln>
+        <a:ln w="19050" cap="flat" cmpd="sng" algn="ctr">
+          <a:solidFill>
+            <a:schemeClr val="phClr"/>
+          </a:solidFill>
+          <a:prstDash val="solid"/>
+          <a:miter lim="800000"/>
+        </a:ln>
+      </a:lnStyleLst>
+      <a:effectStyleLst>
+        <a:effectStyle>
+          <a:effectLst/>
+        </a:effectStyle>
+        <a:effectStyle>
+          <a:effectLst/>
+        </a:effectStyle>
+        <a:effectStyle>
+          <a:effectLst>
+            <a:outerShdw blurRad="57150" dist="19050" dir="5400000" algn="ctr" rotWithShape="0">
+              <a:srgbClr val="000000">
+                <a:alpha val="63000"/>
+              </a:srgbClr>
+            </a:outerShdw>
+          </a:effectLst>
+        </a:effectStyle>
+      </a:effectStyleLst>
+      <a:bgFillStyleLst>
+        <a:solidFill>
+          <a:schemeClr val="phClr"/>
+        </a:solidFill>
+        <a:solidFill>
+          <a:schemeClr val="phClr">
+            <a:tint val="95000"/>
+            <a:satMod val="170000"/>
+          </a:schemeClr>
+        </a:solidFill>
+        <a:gradFill rotWithShape="1">
+          <a:gsLst>
+            <a:gs pos="0">
+              <a:schemeClr val="phClr">
+                <a:tint val="93000"/>
+                <a:satMod val="150000"/>
+                <a:shade val="98000"/>
+                <a:lumMod val="102000"/>
+              </a:schemeClr>
+            </a:gs>
+            <a:gs pos="50000">
+              <a:schemeClr val="phClr">
+                <a:tint val="98000"/>
+                <a:satMod val="130000"/>
+                <a:shade val="90000"/>
+                <a:lumMod val="103000"/>
+              </a:schemeClr>
+            </a:gs>
+            <a:gs pos="100000">
+              <a:schemeClr val="phClr">
+                <a:shade val="63000"/>
+                <a:satMod val="120000"/>
+              </a:schemeClr>
+            </a:gs>
+          </a:gsLst>
+          <a:lin ang="5400000" scaled="0"/>
+        </a:gradFill>
+      </a:bgFillStyleLst>
+    </a:fmtScheme>
+  </a:themeElements>
+  <a:objectDefaults/>
+  <a:extraClrSchemeLst/>
+  <a:extLst>
+    <a:ext uri="{05A4C25C-085E-4340-85A3-A5531E510DB2}">
+      <thm15:themeFamily xmlns:thm15="http://schemas.microsoft.com/office/thememl/2012/main" name="Office Theme" id="{62F939B6-93AF-4DB8-9C6B-D6C7DFDC589F}" vid="{4A3C46E8-61CC-4603-A589-7422A47A8E4A}"/>
+    </a:ext>
+  </a:extLst>
+</a:theme>
 </file>